--- a/Data Merged/Mass Shooting and Gun purchases in U.S.A .pptx
+++ b/Data Merged/Mass Shooting and Gun purchases in U.S.A .pptx
@@ -33,6 +33,7 @@
     <p:sldId id="282" r:id="rId27"/>
     <p:sldId id="283" r:id="rId28"/>
     <p:sldId id="284" r:id="rId29"/>
+    <p:sldId id="285" r:id="rId30"/>
   </p:sldIdLst>
   <p:sldSz cx="12192000" cy="6858000"/>
   <p:notesSz cx="6858000" cy="9144000"/>
@@ -369,7 +370,7 @@
             <a:fld id="{B61BEF0D-F0BB-DE4B-95CE-6DB70DBA9567}" type="datetimeFigureOut">
               <a:rPr lang="en-US" dirty="0"/>
               <a:pPr/>
-              <a:t>9/10/2019</a:t>
+              <a:t>9/11/2019</a:t>
             </a:fld>
             <a:endParaRPr lang="en-US" dirty="0"/>
           </a:p>
@@ -700,7 +701,7 @@
             <a:fld id="{B61BEF0D-F0BB-DE4B-95CE-6DB70DBA9567}" type="datetimeFigureOut">
               <a:rPr lang="en-US" dirty="0"/>
               <a:pPr/>
-              <a:t>9/10/2019</a:t>
+              <a:t>9/11/2019</a:t>
             </a:fld>
             <a:endParaRPr lang="en-US" dirty="0"/>
           </a:p>
@@ -975,7 +976,7 @@
             <a:fld id="{B61BEF0D-F0BB-DE4B-95CE-6DB70DBA9567}" type="datetimeFigureOut">
               <a:rPr lang="en-US" dirty="0"/>
               <a:pPr/>
-              <a:t>9/10/2019</a:t>
+              <a:t>9/11/2019</a:t>
             </a:fld>
             <a:endParaRPr lang="en-US" dirty="0"/>
           </a:p>
@@ -1540,7 +1541,7 @@
             <a:fld id="{B61BEF0D-F0BB-DE4B-95CE-6DB70DBA9567}" type="datetimeFigureOut">
               <a:rPr lang="en-US" dirty="0"/>
               <a:pPr/>
-              <a:t>9/10/2019</a:t>
+              <a:t>9/11/2019</a:t>
             </a:fld>
             <a:endParaRPr lang="en-US" dirty="0"/>
           </a:p>
@@ -1815,7 +1816,7 @@
             <a:fld id="{B61BEF0D-F0BB-DE4B-95CE-6DB70DBA9567}" type="datetimeFigureOut">
               <a:rPr lang="en-US" dirty="0"/>
               <a:pPr/>
-              <a:t>9/10/2019</a:t>
+              <a:t>9/11/2019</a:t>
             </a:fld>
             <a:endParaRPr lang="en-US" dirty="0"/>
           </a:p>
@@ -2374,7 +2375,7 @@
             <a:fld id="{B61BEF0D-F0BB-DE4B-95CE-6DB70DBA9567}" type="datetimeFigureOut">
               <a:rPr lang="en-US" dirty="0"/>
               <a:pPr/>
-              <a:t>9/10/2019</a:t>
+              <a:t>9/11/2019</a:t>
             </a:fld>
             <a:endParaRPr lang="en-US" dirty="0"/>
           </a:p>
@@ -2698,7 +2699,7 @@
             <a:fld id="{B61BEF0D-F0BB-DE4B-95CE-6DB70DBA9567}" type="datetimeFigureOut">
               <a:rPr lang="en-US" dirty="0"/>
               <a:pPr/>
-              <a:t>9/10/2019</a:t>
+              <a:t>9/11/2019</a:t>
             </a:fld>
             <a:endParaRPr lang="en-US" dirty="0"/>
           </a:p>
@@ -2872,7 +2873,7 @@
             <a:fld id="{B61BEF0D-F0BB-DE4B-95CE-6DB70DBA9567}" type="datetimeFigureOut">
               <a:rPr lang="en-US" dirty="0"/>
               <a:pPr/>
-              <a:t>9/10/2019</a:t>
+              <a:t>9/11/2019</a:t>
             </a:fld>
             <a:endParaRPr lang="en-US" dirty="0"/>
           </a:p>
@@ -3107,7 +3108,7 @@
             <a:fld id="{B61BEF0D-F0BB-DE4B-95CE-6DB70DBA9567}" type="datetimeFigureOut">
               <a:rPr lang="en-US" dirty="0"/>
               <a:pPr/>
-              <a:t>9/10/2019</a:t>
+              <a:t>9/11/2019</a:t>
             </a:fld>
             <a:endParaRPr lang="en-US" dirty="0"/>
           </a:p>
@@ -3304,7 +3305,7 @@
             <a:fld id="{B61BEF0D-F0BB-DE4B-95CE-6DB70DBA9567}" type="datetimeFigureOut">
               <a:rPr lang="en-US" dirty="0"/>
               <a:pPr/>
-              <a:t>9/10/2019</a:t>
+              <a:t>9/11/2019</a:t>
             </a:fld>
             <a:endParaRPr lang="en-US" dirty="0"/>
           </a:p>
@@ -3577,7 +3578,7 @@
             <a:fld id="{B61BEF0D-F0BB-DE4B-95CE-6DB70DBA9567}" type="datetimeFigureOut">
               <a:rPr lang="en-US" dirty="0"/>
               <a:pPr/>
-              <a:t>9/10/2019</a:t>
+              <a:t>9/11/2019</a:t>
             </a:fld>
             <a:endParaRPr lang="en-US" dirty="0"/>
           </a:p>
@@ -3840,7 +3841,7 @@
             <a:fld id="{B61BEF0D-F0BB-DE4B-95CE-6DB70DBA9567}" type="datetimeFigureOut">
               <a:rPr lang="en-US" dirty="0"/>
               <a:pPr/>
-              <a:t>9/10/2019</a:t>
+              <a:t>9/11/2019</a:t>
             </a:fld>
             <a:endParaRPr lang="en-US" dirty="0"/>
           </a:p>
@@ -4211,7 +4212,7 @@
             <a:fld id="{B61BEF0D-F0BB-DE4B-95CE-6DB70DBA9567}" type="datetimeFigureOut">
               <a:rPr lang="en-US" dirty="0"/>
               <a:pPr/>
-              <a:t>9/10/2019</a:t>
+              <a:t>9/11/2019</a:t>
             </a:fld>
             <a:endParaRPr lang="en-US" dirty="0"/>
           </a:p>
@@ -4356,7 +4357,7 @@
             <a:fld id="{B61BEF0D-F0BB-DE4B-95CE-6DB70DBA9567}" type="datetimeFigureOut">
               <a:rPr lang="en-US" dirty="0"/>
               <a:pPr/>
-              <a:t>9/10/2019</a:t>
+              <a:t>9/11/2019</a:t>
             </a:fld>
             <a:endParaRPr lang="en-US" dirty="0"/>
           </a:p>
@@ -4478,7 +4479,7 @@
             <a:fld id="{B61BEF0D-F0BB-DE4B-95CE-6DB70DBA9567}" type="datetimeFigureOut">
               <a:rPr lang="en-US" dirty="0"/>
               <a:pPr/>
-              <a:t>9/10/2019</a:t>
+              <a:t>9/11/2019</a:t>
             </a:fld>
             <a:endParaRPr lang="en-US" dirty="0"/>
           </a:p>
@@ -4760,7 +4761,7 @@
             <a:fld id="{B61BEF0D-F0BB-DE4B-95CE-6DB70DBA9567}" type="datetimeFigureOut">
               <a:rPr lang="en-US" dirty="0"/>
               <a:pPr/>
-              <a:t>9/10/2019</a:t>
+              <a:t>9/11/2019</a:t>
             </a:fld>
             <a:endParaRPr lang="en-US" dirty="0"/>
           </a:p>
@@ -5081,7 +5082,7 @@
             <a:fld id="{B61BEF0D-F0BB-DE4B-95CE-6DB70DBA9567}" type="datetimeFigureOut">
               <a:rPr lang="en-US" dirty="0"/>
               <a:pPr/>
-              <a:t>9/10/2019</a:t>
+              <a:t>9/11/2019</a:t>
             </a:fld>
             <a:endParaRPr lang="en-US" dirty="0"/>
           </a:p>
@@ -5292,7 +5293,7 @@
             <a:fld id="{B61BEF0D-F0BB-DE4B-95CE-6DB70DBA9567}" type="datetimeFigureOut">
               <a:rPr lang="en-US" dirty="0"/>
               <a:pPr/>
-              <a:t>9/10/2019</a:t>
+              <a:t>9/11/2019</a:t>
             </a:fld>
             <a:endParaRPr lang="en-US" dirty="0"/>
           </a:p>
@@ -8720,12 +8721,21 @@
             <p:ph type="title"/>
           </p:nvPr>
         </p:nvSpPr>
-        <p:spPr/>
+        <p:spPr>
+          <a:xfrm>
+            <a:off x="1167624" y="104751"/>
+            <a:ext cx="10131425" cy="1028698"/>
+          </a:xfrm>
+        </p:spPr>
         <p:txBody>
           <a:bodyPr/>
           <a:lstStyle/>
           <a:p>
-            <a:endParaRPr lang="en-US" dirty="0"/>
+            <a:pPr algn="ctr"/>
+            <a:r>
+              <a:rPr lang="en-US" dirty="0"/>
+              <a:t>Conclusions</a:t>
+            </a:r>
           </a:p>
         </p:txBody>
       </p:sp>
@@ -8745,12 +8755,56 @@
             <p:ph idx="1"/>
           </p:nvPr>
         </p:nvSpPr>
-        <p:spPr/>
+        <p:spPr>
+          <a:xfrm>
+            <a:off x="855921" y="1367365"/>
+            <a:ext cx="10754832" cy="4914901"/>
+          </a:xfrm>
+        </p:spPr>
         <p:txBody>
           <a:bodyPr/>
           <a:lstStyle/>
           <a:p>
-            <a:endParaRPr lang="en-US"/>
+            <a:r>
+              <a:rPr lang="en-US" dirty="0"/>
+              <a:t>We could not find a statistically significant relationship between mass shootings and an increase in gun sales as compared to the sales the year prior during the time period we considered in this study.    </a:t>
+            </a:r>
+          </a:p>
+          <a:p>
+            <a:endParaRPr lang="en-US" dirty="0"/>
+          </a:p>
+          <a:p>
+            <a:r>
+              <a:rPr lang="en-US" dirty="0"/>
+              <a:t>In looking at the data from the stocks market we were also not able to substantiate a significant relationship between mass shootings and firearm stock increases.  </a:t>
+            </a:r>
+          </a:p>
+          <a:p>
+            <a:endParaRPr lang="en-US" dirty="0"/>
+          </a:p>
+          <a:p>
+            <a:r>
+              <a:rPr lang="en-US" dirty="0"/>
+              <a:t>Gun sales data appear to followed a fairly consistent pattern from year to year during the period we studied and do not appear to be significantly affected by the mass shootings that occurred in this period. </a:t>
+            </a:r>
+          </a:p>
+          <a:p>
+            <a:endParaRPr lang="en-US" dirty="0"/>
+          </a:p>
+          <a:p>
+            <a:r>
+              <a:rPr lang="en-US" dirty="0"/>
+              <a:t>We were not able to find any significant correlations between any of the data points we used.  </a:t>
+            </a:r>
+          </a:p>
+          <a:p>
+            <a:endParaRPr lang="en-US" dirty="0"/>
+          </a:p>
+          <a:p>
+            <a:r>
+              <a:rPr lang="en-US" dirty="0"/>
+              <a:t>The strongest correlation was between gun sales after a mass shooting incident and gun sales during that time period the year before.  </a:t>
+            </a:r>
           </a:p>
         </p:txBody>
       </p:sp>
@@ -8758,6 +8812,175 @@
     <p:extLst>
       <p:ext uri="{BB962C8B-B14F-4D97-AF65-F5344CB8AC3E}">
         <p14:creationId xmlns:p14="http://schemas.microsoft.com/office/powerpoint/2010/main" val="3172660372"/>
+      </p:ext>
+    </p:extLst>
+  </p:cSld>
+  <p:clrMapOvr>
+    <a:masterClrMapping/>
+  </p:clrMapOvr>
+</p:sld>
+</file>
+
+<file path=ppt/slides/slide29.xml><?xml version="1.0" encoding="utf-8"?>
+<p:sld xmlns:a="http://schemas.openxmlformats.org/drawingml/2006/main" xmlns:r="http://schemas.openxmlformats.org/officeDocument/2006/relationships" xmlns:p="http://schemas.openxmlformats.org/presentationml/2006/main">
+  <p:cSld>
+    <p:spTree>
+      <p:nvGrpSpPr>
+        <p:cNvPr id="1" name=""/>
+        <p:cNvGrpSpPr/>
+        <p:nvPr/>
+      </p:nvGrpSpPr>
+      <p:grpSpPr>
+        <a:xfrm>
+          <a:off x="0" y="0"/>
+          <a:ext cx="0" cy="0"/>
+          <a:chOff x="0" y="0"/>
+          <a:chExt cx="0" cy="0"/>
+        </a:xfrm>
+      </p:grpSpPr>
+      <p:sp>
+        <p:nvSpPr>
+          <p:cNvPr id="2" name="Title 1">
+            <a:extLst>
+              <a:ext uri="{FF2B5EF4-FFF2-40B4-BE49-F238E27FC236}">
+                <a16:creationId xmlns:a16="http://schemas.microsoft.com/office/drawing/2014/main" id="{1E987FC8-BC5B-4075-8663-8B76E51F960D}"/>
+              </a:ext>
+            </a:extLst>
+          </p:cNvPr>
+          <p:cNvSpPr>
+            <a:spLocks noGrp="1"/>
+          </p:cNvSpPr>
+          <p:nvPr>
+            <p:ph type="title"/>
+          </p:nvPr>
+        </p:nvSpPr>
+        <p:spPr>
+          <a:xfrm>
+            <a:off x="1167624" y="104751"/>
+            <a:ext cx="10131425" cy="1028698"/>
+          </a:xfrm>
+        </p:spPr>
+        <p:txBody>
+          <a:bodyPr/>
+          <a:lstStyle/>
+          <a:p>
+            <a:pPr algn="ctr"/>
+            <a:r>
+              <a:rPr lang="en-US" dirty="0"/>
+              <a:t>Limitations</a:t>
+            </a:r>
+          </a:p>
+        </p:txBody>
+      </p:sp>
+      <p:sp>
+        <p:nvSpPr>
+          <p:cNvPr id="3" name="Content Placeholder 2">
+            <a:extLst>
+              <a:ext uri="{FF2B5EF4-FFF2-40B4-BE49-F238E27FC236}">
+                <a16:creationId xmlns:a16="http://schemas.microsoft.com/office/drawing/2014/main" id="{99D3B098-B843-46AA-ACF5-A87DAA7C7000}"/>
+              </a:ext>
+            </a:extLst>
+          </p:cNvPr>
+          <p:cNvSpPr>
+            <a:spLocks noGrp="1"/>
+          </p:cNvSpPr>
+          <p:nvPr>
+            <p:ph idx="1"/>
+          </p:nvPr>
+        </p:nvSpPr>
+        <p:spPr>
+          <a:xfrm>
+            <a:off x="531628" y="871870"/>
+            <a:ext cx="11355572" cy="5677785"/>
+          </a:xfrm>
+        </p:spPr>
+        <p:txBody>
+          <a:bodyPr>
+            <a:normAutofit lnSpcReduction="10000"/>
+          </a:bodyPr>
+          <a:lstStyle/>
+          <a:p>
+            <a:r>
+              <a:rPr lang="en-US" dirty="0"/>
+              <a:t>We used a very narrow definition of mass shooting (5 or more people shot or killed and corresponds with a high rate of searches for “shooting” on google trends)</a:t>
+            </a:r>
+          </a:p>
+          <a:p>
+            <a:pPr lvl="1"/>
+            <a:r>
+              <a:rPr lang="en-US" dirty="0"/>
+              <a:t>A broader definition would have allowed for more data point </a:t>
+            </a:r>
+          </a:p>
+          <a:p>
+            <a:endParaRPr lang="en-US" dirty="0"/>
+          </a:p>
+          <a:p>
+            <a:r>
+              <a:rPr lang="en-US" dirty="0"/>
+              <a:t>We limited our study to  five years.  </a:t>
+            </a:r>
+          </a:p>
+          <a:p>
+            <a:pPr lvl="1"/>
+            <a:r>
+              <a:rPr lang="en-US" dirty="0"/>
+              <a:t>We may have been able to detect more minute changes in the pattern if we had a longer span of time</a:t>
+            </a:r>
+          </a:p>
+          <a:p>
+            <a:endParaRPr lang="en-US" dirty="0"/>
+          </a:p>
+          <a:p>
+            <a:r>
+              <a:rPr lang="en-US" dirty="0"/>
+              <a:t>We used the FBI data from background checks to look at gun purchases.  </a:t>
+            </a:r>
+          </a:p>
+          <a:p>
+            <a:pPr lvl="1"/>
+            <a:r>
+              <a:rPr lang="en-US" dirty="0"/>
+              <a:t>This data may not included all gun sales and is unlikely to include person to person gun sales or gun sales at gun shows</a:t>
+            </a:r>
+          </a:p>
+          <a:p>
+            <a:endParaRPr lang="en-US" dirty="0"/>
+          </a:p>
+          <a:p>
+            <a:r>
+              <a:rPr lang="en-US" dirty="0"/>
+              <a:t>We used a T-test to compare mean sales between two time periods</a:t>
+            </a:r>
+          </a:p>
+          <a:p>
+            <a:pPr lvl="1"/>
+            <a:r>
+              <a:rPr lang="en-US" dirty="0"/>
+              <a:t>Other statistical methods would have allowed for a more complex understanding of the relationship between mass shootings  and gun violence.</a:t>
+            </a:r>
+          </a:p>
+          <a:p>
+            <a:endParaRPr lang="en-US" dirty="0"/>
+          </a:p>
+          <a:p>
+            <a:r>
+              <a:rPr lang="en-US" dirty="0"/>
+              <a:t>We did not account for legislation restricting gun sales or political debates surrounding gun sale restrictions</a:t>
+            </a:r>
+          </a:p>
+          <a:p>
+            <a:pPr marL="0" indent="0">
+              <a:buNone/>
+            </a:pPr>
+            <a:endParaRPr lang="en-US" dirty="0"/>
+          </a:p>
+        </p:txBody>
+      </p:sp>
+    </p:spTree>
+    <p:extLst>
+      <p:ext uri="{BB962C8B-B14F-4D97-AF65-F5344CB8AC3E}">
+        <p14:creationId xmlns:p14="http://schemas.microsoft.com/office/powerpoint/2010/main" val="113234337"/>
       </p:ext>
     </p:extLst>
   </p:cSld>

--- a/Data Merged/Mass Shooting and Gun purchases in U.S.A .pptx
+++ b/Data Merged/Mass Shooting and Gun purchases in U.S.A .pptx
@@ -25,15 +25,19 @@
     <p:sldId id="273" r:id="rId19"/>
     <p:sldId id="274" r:id="rId20"/>
     <p:sldId id="275" r:id="rId21"/>
-    <p:sldId id="276" r:id="rId22"/>
-    <p:sldId id="277" r:id="rId23"/>
-    <p:sldId id="279" r:id="rId24"/>
-    <p:sldId id="280" r:id="rId25"/>
-    <p:sldId id="281" r:id="rId26"/>
-    <p:sldId id="282" r:id="rId27"/>
-    <p:sldId id="283" r:id="rId28"/>
-    <p:sldId id="284" r:id="rId29"/>
-    <p:sldId id="285" r:id="rId30"/>
+    <p:sldId id="286" r:id="rId22"/>
+    <p:sldId id="276" r:id="rId23"/>
+    <p:sldId id="277" r:id="rId24"/>
+    <p:sldId id="287" r:id="rId25"/>
+    <p:sldId id="279" r:id="rId26"/>
+    <p:sldId id="280" r:id="rId27"/>
+    <p:sldId id="281" r:id="rId28"/>
+    <p:sldId id="282" r:id="rId29"/>
+    <p:sldId id="283" r:id="rId30"/>
+    <p:sldId id="288" r:id="rId31"/>
+    <p:sldId id="284" r:id="rId32"/>
+    <p:sldId id="285" r:id="rId33"/>
+    <p:sldId id="289" r:id="rId34"/>
   </p:sldIdLst>
   <p:sldSz cx="12192000" cy="6858000"/>
   <p:notesSz cx="6858000" cy="9144000"/>
@@ -7152,7 +7156,7 @@
           <p:cNvPr id="2" name="Title 1">
             <a:extLst>
               <a:ext uri="{FF2B5EF4-FFF2-40B4-BE49-F238E27FC236}">
-                <a16:creationId xmlns:a16="http://schemas.microsoft.com/office/drawing/2014/main" id="{02EC1038-2333-48CA-ADAC-1CF30BB8F8D6}"/>
+                <a16:creationId xmlns:a16="http://schemas.microsoft.com/office/drawing/2014/main" id="{3CD63766-80C7-47F0-8BEE-12CFE7A9F5A6}"/>
               </a:ext>
             </a:extLst>
           </p:cNvPr>
@@ -7163,12 +7167,7 @@
             <p:ph type="title"/>
           </p:nvPr>
         </p:nvSpPr>
-        <p:spPr>
-          <a:xfrm>
-            <a:off x="1030287" y="180755"/>
-            <a:ext cx="10131425" cy="765544"/>
-          </a:xfrm>
-        </p:spPr>
+        <p:spPr/>
         <p:txBody>
           <a:bodyPr/>
           <a:lstStyle/>
@@ -7176,7 +7175,7 @@
             <a:pPr algn="ctr"/>
             <a:r>
               <a:rPr lang="en-US" dirty="0"/>
-              <a:t>Methods</a:t>
+              <a:t>Gun sales data</a:t>
             </a:r>
           </a:p>
         </p:txBody>
@@ -7186,7 +7185,7 @@
           <p:cNvPr id="3" name="Content Placeholder 2">
             <a:extLst>
               <a:ext uri="{FF2B5EF4-FFF2-40B4-BE49-F238E27FC236}">
-                <a16:creationId xmlns:a16="http://schemas.microsoft.com/office/drawing/2014/main" id="{F6136622-E322-4B4A-8A04-FF04F8CD4592}"/>
+                <a16:creationId xmlns:a16="http://schemas.microsoft.com/office/drawing/2014/main" id="{5C0E9159-B251-4B0D-8E32-9912DA207649}"/>
               </a:ext>
             </a:extLst>
           </p:cNvPr>
@@ -7197,70 +7196,40 @@
             <p:ph idx="1"/>
           </p:nvPr>
         </p:nvSpPr>
-        <p:spPr>
-          <a:xfrm>
-            <a:off x="340242" y="1108936"/>
-            <a:ext cx="11589488" cy="5398190"/>
-          </a:xfrm>
-        </p:spPr>
-        <p:txBody>
-          <a:bodyPr>
-            <a:noAutofit/>
-          </a:bodyPr>
-          <a:lstStyle/>
-          <a:p>
-            <a:r>
-              <a:rPr lang="en-US" sz="2400" dirty="0"/>
-              <a:t>We used Pandas to clean and format our dataset(s)</a:t>
-            </a:r>
-          </a:p>
-          <a:p>
-            <a:pPr lvl="1"/>
-            <a:r>
-              <a:rPr lang="en-US" sz="2200" dirty="0"/>
-              <a:t>Removed incidents with fewer than five victims</a:t>
-            </a:r>
-          </a:p>
-          <a:p>
-            <a:pPr lvl="1"/>
-            <a:r>
-              <a:rPr lang="en-US" sz="2200" dirty="0"/>
-              <a:t>Removed incidents that occurred much earlier or later than the time frame</a:t>
-            </a:r>
-          </a:p>
-          <a:p>
-            <a:r>
-              <a:rPr lang="en-US" sz="2400" dirty="0"/>
-              <a:t>We created Incident IDs  for all shootings and merged the data on these IDs to create and verify the incidences reported in the data sets.  </a:t>
-            </a:r>
-          </a:p>
-          <a:p>
-            <a:pPr lvl="1"/>
-            <a:r>
-              <a:rPr lang="en-US" sz="2400" dirty="0"/>
-              <a:t>We decided to use the Mother Jones data set primarily in our analysis because gave more information about the shootings</a:t>
-            </a:r>
-          </a:p>
-          <a:p>
-            <a:pPr lvl="1"/>
-            <a:r>
-              <a:rPr lang="en-US" sz="2400" dirty="0"/>
-              <a:t>The Gun Violence Archive data was useful as a method of verifying the shooting information</a:t>
-            </a:r>
-          </a:p>
-          <a:p>
-            <a:pPr lvl="1"/>
-            <a:r>
-              <a:rPr lang="en-US" sz="2400" dirty="0"/>
-              <a:t>The Gun Violence Archive also contained gang shootings with a large number of victims  (this did not meet our definition. </a:t>
-            </a:r>
+        <p:spPr/>
+        <p:txBody>
+          <a:bodyPr/>
+          <a:lstStyle/>
+          <a:p>
+            <a:pPr lvl="2"/>
+            <a:r>
+              <a:rPr lang="en-US" sz="3200" dirty="0"/>
+              <a:t>Jan- 2014- July 2019</a:t>
+            </a:r>
+          </a:p>
+          <a:p>
+            <a:pPr lvl="2"/>
+            <a:r>
+              <a:rPr lang="en-US" sz="3200" dirty="0"/>
+              <a:t>Total Gun Sales: 72,463,764</a:t>
+            </a:r>
+          </a:p>
+          <a:p>
+            <a:pPr lvl="2"/>
+            <a:r>
+              <a:rPr lang="en-US" sz="3200" dirty="0"/>
+              <a:t>Gun Sales per Month (M: 1,081,548.72; SD:262,654.64)</a:t>
+            </a:r>
+          </a:p>
+          <a:p>
+            <a:endParaRPr lang="en-US" dirty="0"/>
           </a:p>
         </p:txBody>
       </p:sp>
     </p:spTree>
     <p:extLst>
       <p:ext uri="{BB962C8B-B14F-4D97-AF65-F5344CB8AC3E}">
-        <p14:creationId xmlns:p14="http://schemas.microsoft.com/office/powerpoint/2010/main" val="2121503744"/>
+        <p14:creationId xmlns:p14="http://schemas.microsoft.com/office/powerpoint/2010/main" val="2132463745"/>
       </p:ext>
     </p:extLst>
   </p:cSld>
@@ -7305,8 +7274,8 @@
         </p:nvSpPr>
         <p:spPr>
           <a:xfrm>
-            <a:off x="1069273" y="0"/>
-            <a:ext cx="10131425" cy="938816"/>
+            <a:off x="1030287" y="180755"/>
+            <a:ext cx="10131425" cy="765544"/>
           </a:xfrm>
         </p:spPr>
         <p:txBody>
@@ -7339,8 +7308,8 @@
         </p:nvSpPr>
         <p:spPr>
           <a:xfrm>
-            <a:off x="510363" y="1300322"/>
-            <a:ext cx="11249246" cy="5334394"/>
+            <a:off x="340242" y="1108936"/>
+            <a:ext cx="11589488" cy="5398190"/>
           </a:xfrm>
         </p:spPr>
         <p:txBody>
@@ -7351,69 +7320,56 @@
           <a:p>
             <a:r>
               <a:rPr lang="en-US" sz="2400" dirty="0"/>
-              <a:t>We created a “</a:t>
-            </a:r>
-            <a:r>
-              <a:rPr lang="en-US" sz="2400" dirty="0" err="1"/>
-              <a:t>monthyr_num</a:t>
-            </a:r>
+              <a:t>We used Pandas to clean and format our dataset(s)</a:t>
+            </a:r>
+          </a:p>
+          <a:p>
+            <a:pPr lvl="1"/>
+            <a:r>
+              <a:rPr lang="en-US" sz="2200" dirty="0"/>
+              <a:t>Removed incidents with fewer than five victims</a:t>
+            </a:r>
+          </a:p>
+          <a:p>
+            <a:pPr lvl="1"/>
+            <a:r>
+              <a:rPr lang="en-US" sz="2200" dirty="0"/>
+              <a:t>Removed incidents that occurred much earlier or later than the time frame</a:t>
+            </a:r>
+          </a:p>
+          <a:p>
             <a:r>
               <a:rPr lang="en-US" sz="2400" dirty="0"/>
-              <a:t>” variable that is a numeric variable through which we can link the data from the gun sales data set, the google trends data, and the Mother Jones mass shooting data</a:t>
-            </a:r>
-          </a:p>
-          <a:p>
-            <a:endParaRPr lang="en-US" sz="2400" dirty="0"/>
-          </a:p>
-          <a:p>
+              <a:t>We created Incident IDs  for all shootings and merged the data on these IDs to create and verify the incidences reported in the data sets.  </a:t>
+            </a:r>
+          </a:p>
+          <a:p>
+            <a:pPr lvl="1"/>
             <a:r>
               <a:rPr lang="en-US" sz="2400" dirty="0"/>
-              <a:t>We created a “</a:t>
-            </a:r>
-            <a:r>
-              <a:rPr lang="en-US" sz="2400" dirty="0" err="1"/>
-              <a:t>monthyr_impact</a:t>
-            </a:r>
+              <a:t>We decided to use the Mother Jones data set primarily in our analysis because gave more information about the shootings</a:t>
+            </a:r>
+          </a:p>
+          <a:p>
+            <a:pPr lvl="1"/>
             <a:r>
               <a:rPr lang="en-US" sz="2400" dirty="0"/>
-              <a:t>” variable to use to merge in the total guns purchased the month after a major mass shooting</a:t>
-            </a:r>
-          </a:p>
-          <a:p>
-            <a:endParaRPr lang="en-US" sz="2400" dirty="0"/>
-          </a:p>
-          <a:p>
+              <a:t>The Gun Violence Archive data was useful as a method of verifying the shooting information</a:t>
+            </a:r>
+          </a:p>
+          <a:p>
+            <a:pPr lvl="1"/>
             <a:r>
               <a:rPr lang="en-US" sz="2400" dirty="0"/>
-              <a:t>We created a “</a:t>
-            </a:r>
-            <a:r>
-              <a:rPr lang="en-US" sz="2400" dirty="0" err="1"/>
-              <a:t>monthyr_prev</a:t>
-            </a:r>
-            <a:r>
-              <a:rPr lang="en-US" sz="2400" dirty="0"/>
-              <a:t>” variable to use to merge in the total guns purchased data for the same period the year before the shooting</a:t>
-            </a:r>
-          </a:p>
-          <a:p>
-            <a:endParaRPr lang="en-US" sz="2400" dirty="0"/>
-          </a:p>
-          <a:p>
-            <a:r>
-              <a:rPr lang="en-US" sz="2400" dirty="0"/>
-              <a:t>We used the total number of guns purchased during these periods to look at the difference in the number of guns purchased just after a mass shooting and the number of guns purchased normally at during that same month</a:t>
-            </a:r>
-          </a:p>
-          <a:p>
-            <a:endParaRPr lang="en-US" sz="2400" dirty="0"/>
+              <a:t>The Gun Violence Archive also contained gang shootings with a large number of victims  (this did not meet our definition. </a:t>
+            </a:r>
           </a:p>
         </p:txBody>
       </p:sp>
     </p:spTree>
     <p:extLst>
       <p:ext uri="{BB962C8B-B14F-4D97-AF65-F5344CB8AC3E}">
-        <p14:creationId xmlns:p14="http://schemas.microsoft.com/office/powerpoint/2010/main" val="213737397"/>
+        <p14:creationId xmlns:p14="http://schemas.microsoft.com/office/powerpoint/2010/main" val="2121503744"/>
       </p:ext>
     </p:extLst>
   </p:cSld>
@@ -7445,6 +7401,279 @@
           <p:cNvPr id="2" name="Title 1">
             <a:extLst>
               <a:ext uri="{FF2B5EF4-FFF2-40B4-BE49-F238E27FC236}">
+                <a16:creationId xmlns:a16="http://schemas.microsoft.com/office/drawing/2014/main" id="{02EC1038-2333-48CA-ADAC-1CF30BB8F8D6}"/>
+              </a:ext>
+            </a:extLst>
+          </p:cNvPr>
+          <p:cNvSpPr>
+            <a:spLocks noGrp="1"/>
+          </p:cNvSpPr>
+          <p:nvPr>
+            <p:ph type="title"/>
+          </p:nvPr>
+        </p:nvSpPr>
+        <p:spPr>
+          <a:xfrm>
+            <a:off x="1069273" y="0"/>
+            <a:ext cx="10131425" cy="938816"/>
+          </a:xfrm>
+        </p:spPr>
+        <p:txBody>
+          <a:bodyPr/>
+          <a:lstStyle/>
+          <a:p>
+            <a:pPr algn="ctr"/>
+            <a:r>
+              <a:rPr lang="en-US" dirty="0"/>
+              <a:t>Methods</a:t>
+            </a:r>
+          </a:p>
+        </p:txBody>
+      </p:sp>
+      <p:sp>
+        <p:nvSpPr>
+          <p:cNvPr id="3" name="Content Placeholder 2">
+            <a:extLst>
+              <a:ext uri="{FF2B5EF4-FFF2-40B4-BE49-F238E27FC236}">
+                <a16:creationId xmlns:a16="http://schemas.microsoft.com/office/drawing/2014/main" id="{F6136622-E322-4B4A-8A04-FF04F8CD4592}"/>
+              </a:ext>
+            </a:extLst>
+          </p:cNvPr>
+          <p:cNvSpPr>
+            <a:spLocks noGrp="1"/>
+          </p:cNvSpPr>
+          <p:nvPr>
+            <p:ph idx="1"/>
+          </p:nvPr>
+        </p:nvSpPr>
+        <p:spPr>
+          <a:xfrm>
+            <a:off x="191386" y="765544"/>
+            <a:ext cx="11717079" cy="5869172"/>
+          </a:xfrm>
+        </p:spPr>
+        <p:txBody>
+          <a:bodyPr>
+            <a:noAutofit/>
+          </a:bodyPr>
+          <a:lstStyle/>
+          <a:p>
+            <a:r>
+              <a:rPr lang="en-US" sz="2800" dirty="0"/>
+              <a:t>We created a numeric variable  called “</a:t>
+            </a:r>
+            <a:r>
+              <a:rPr lang="en-US" sz="2800" dirty="0" err="1"/>
+              <a:t>monthyr_num</a:t>
+            </a:r>
+            <a:r>
+              <a:rPr lang="en-US" sz="2800" dirty="0"/>
+              <a:t>” through which we can linked the data from the gun sales data set, the google trends data, and the Mother Jones mass shooting data</a:t>
+            </a:r>
+          </a:p>
+          <a:p>
+            <a:endParaRPr lang="en-US" sz="2800" dirty="0"/>
+          </a:p>
+          <a:p>
+            <a:r>
+              <a:rPr lang="en-US" sz="2800" dirty="0"/>
+              <a:t>We created a “</a:t>
+            </a:r>
+            <a:r>
+              <a:rPr lang="en-US" sz="2800" dirty="0" err="1"/>
+              <a:t>monthyr_impact</a:t>
+            </a:r>
+            <a:r>
+              <a:rPr lang="en-US" sz="2800" dirty="0"/>
+              <a:t>” variable to use to merge in the total guns purchased the month after a major mass shooting.  The </a:t>
+            </a:r>
+            <a:r>
+              <a:rPr lang="en-US" sz="2800" dirty="0" err="1"/>
+              <a:t>monthyr_impact</a:t>
+            </a:r>
+            <a:r>
+              <a:rPr lang="en-US" sz="2800" dirty="0"/>
+              <a:t> variable was created through adding one month to the </a:t>
+            </a:r>
+            <a:r>
+              <a:rPr lang="en-US" sz="2800" dirty="0" err="1"/>
+              <a:t>monthyr_num</a:t>
+            </a:r>
+            <a:r>
+              <a:rPr lang="en-US" sz="2800" dirty="0"/>
+              <a:t> variable</a:t>
+            </a:r>
+          </a:p>
+          <a:p>
+            <a:endParaRPr lang="en-US" sz="2400" dirty="0"/>
+          </a:p>
+        </p:txBody>
+      </p:sp>
+    </p:spTree>
+    <p:extLst>
+      <p:ext uri="{BB962C8B-B14F-4D97-AF65-F5344CB8AC3E}">
+        <p14:creationId xmlns:p14="http://schemas.microsoft.com/office/powerpoint/2010/main" val="213737397"/>
+      </p:ext>
+    </p:extLst>
+  </p:cSld>
+  <p:clrMapOvr>
+    <a:masterClrMapping/>
+  </p:clrMapOvr>
+</p:sld>
+</file>
+
+<file path=ppt/slides/slide24.xml><?xml version="1.0" encoding="utf-8"?>
+<p:sld xmlns:a="http://schemas.openxmlformats.org/drawingml/2006/main" xmlns:r="http://schemas.openxmlformats.org/officeDocument/2006/relationships" xmlns:p="http://schemas.openxmlformats.org/presentationml/2006/main">
+  <p:cSld>
+    <p:spTree>
+      <p:nvGrpSpPr>
+        <p:cNvPr id="1" name=""/>
+        <p:cNvGrpSpPr/>
+        <p:nvPr/>
+      </p:nvGrpSpPr>
+      <p:grpSpPr>
+        <a:xfrm>
+          <a:off x="0" y="0"/>
+          <a:ext cx="0" cy="0"/>
+          <a:chOff x="0" y="0"/>
+          <a:chExt cx="0" cy="0"/>
+        </a:xfrm>
+      </p:grpSpPr>
+      <p:sp>
+        <p:nvSpPr>
+          <p:cNvPr id="2" name="Title 1">
+            <a:extLst>
+              <a:ext uri="{FF2B5EF4-FFF2-40B4-BE49-F238E27FC236}">
+                <a16:creationId xmlns:a16="http://schemas.microsoft.com/office/drawing/2014/main" id="{02EC1038-2333-48CA-ADAC-1CF30BB8F8D6}"/>
+              </a:ext>
+            </a:extLst>
+          </p:cNvPr>
+          <p:cNvSpPr>
+            <a:spLocks noGrp="1"/>
+          </p:cNvSpPr>
+          <p:nvPr>
+            <p:ph type="title"/>
+          </p:nvPr>
+        </p:nvSpPr>
+        <p:spPr>
+          <a:xfrm>
+            <a:off x="1069273" y="0"/>
+            <a:ext cx="10131425" cy="938816"/>
+          </a:xfrm>
+        </p:spPr>
+        <p:txBody>
+          <a:bodyPr/>
+          <a:lstStyle/>
+          <a:p>
+            <a:pPr algn="ctr"/>
+            <a:r>
+              <a:rPr lang="en-US" dirty="0"/>
+              <a:t>Methods</a:t>
+            </a:r>
+          </a:p>
+        </p:txBody>
+      </p:sp>
+      <p:sp>
+        <p:nvSpPr>
+          <p:cNvPr id="3" name="Content Placeholder 2">
+            <a:extLst>
+              <a:ext uri="{FF2B5EF4-FFF2-40B4-BE49-F238E27FC236}">
+                <a16:creationId xmlns:a16="http://schemas.microsoft.com/office/drawing/2014/main" id="{F6136622-E322-4B4A-8A04-FF04F8CD4592}"/>
+              </a:ext>
+            </a:extLst>
+          </p:cNvPr>
+          <p:cNvSpPr>
+            <a:spLocks noGrp="1"/>
+          </p:cNvSpPr>
+          <p:nvPr>
+            <p:ph idx="1"/>
+          </p:nvPr>
+        </p:nvSpPr>
+        <p:spPr>
+          <a:xfrm>
+            <a:off x="191386" y="765544"/>
+            <a:ext cx="11717079" cy="5869172"/>
+          </a:xfrm>
+        </p:spPr>
+        <p:txBody>
+          <a:bodyPr>
+            <a:noAutofit/>
+          </a:bodyPr>
+          <a:lstStyle/>
+          <a:p>
+            <a:pPr lvl="0"/>
+            <a:r>
+              <a:rPr lang="en-US" sz="2800" dirty="0"/>
+              <a:t>We created a “</a:t>
+            </a:r>
+            <a:r>
+              <a:rPr lang="en-US" sz="2800" dirty="0" err="1"/>
+              <a:t>monthyr_prev</a:t>
+            </a:r>
+            <a:r>
+              <a:rPr lang="en-US" sz="2800" dirty="0"/>
+              <a:t>” variable to use to merge in the total guns purchased data for the same period the year before the shooting.  This variable was created by subtracting one year from the </a:t>
+            </a:r>
+            <a:r>
+              <a:rPr lang="en-US" sz="2800" dirty="0" err="1"/>
+              <a:t>monthyr_impact</a:t>
+            </a:r>
+            <a:r>
+              <a:rPr lang="en-US" sz="2800" dirty="0"/>
+              <a:t> variable.  </a:t>
+            </a:r>
+          </a:p>
+          <a:p>
+            <a:pPr lvl="0"/>
+            <a:endParaRPr lang="en-US" sz="2800" dirty="0"/>
+          </a:p>
+          <a:p>
+            <a:pPr lvl="0"/>
+            <a:r>
+              <a:rPr lang="en-US" sz="2800" dirty="0"/>
+              <a:t>We used the total number of guns purchased during these periods to look at the difference in the number of guns purchased just after a mass shooting and the number of guns purchased normally at during that same month</a:t>
+            </a:r>
+          </a:p>
+          <a:p>
+            <a:endParaRPr lang="en-US" sz="2400" dirty="0"/>
+          </a:p>
+        </p:txBody>
+      </p:sp>
+    </p:spTree>
+    <p:extLst>
+      <p:ext uri="{BB962C8B-B14F-4D97-AF65-F5344CB8AC3E}">
+        <p14:creationId xmlns:p14="http://schemas.microsoft.com/office/powerpoint/2010/main" val="1801541662"/>
+      </p:ext>
+    </p:extLst>
+  </p:cSld>
+  <p:clrMapOvr>
+    <a:masterClrMapping/>
+  </p:clrMapOvr>
+</p:sld>
+</file>
+
+<file path=ppt/slides/slide25.xml><?xml version="1.0" encoding="utf-8"?>
+<p:sld xmlns:a="http://schemas.openxmlformats.org/drawingml/2006/main" xmlns:r="http://schemas.openxmlformats.org/officeDocument/2006/relationships" xmlns:p="http://schemas.openxmlformats.org/presentationml/2006/main">
+  <p:cSld>
+    <p:spTree>
+      <p:nvGrpSpPr>
+        <p:cNvPr id="1" name=""/>
+        <p:cNvGrpSpPr/>
+        <p:nvPr/>
+      </p:nvGrpSpPr>
+      <p:grpSpPr>
+        <a:xfrm>
+          <a:off x="0" y="0"/>
+          <a:ext cx="0" cy="0"/>
+          <a:chOff x="0" y="0"/>
+          <a:chExt cx="0" cy="0"/>
+        </a:xfrm>
+      </p:grpSpPr>
+      <p:sp>
+        <p:nvSpPr>
+          <p:cNvPr id="2" name="Title 1">
+            <a:extLst>
+              <a:ext uri="{FF2B5EF4-FFF2-40B4-BE49-F238E27FC236}">
                 <a16:creationId xmlns:a16="http://schemas.microsoft.com/office/drawing/2014/main" id="{163EEEAA-6AD8-4F25-87BB-07A727859A64}"/>
               </a:ext>
             </a:extLst>
@@ -7492,36 +7721,41 @@
         </p:nvSpPr>
         <p:spPr>
           <a:xfrm>
-            <a:off x="495300" y="1103622"/>
-            <a:ext cx="11201399" cy="5130602"/>
-          </a:xfrm>
-        </p:spPr>
-        <p:txBody>
-          <a:bodyPr/>
-          <a:lstStyle/>
-          <a:p>
-            <a:r>
-              <a:rPr lang="en-US" dirty="0"/>
+            <a:off x="364608" y="1446028"/>
+            <a:ext cx="11462783" cy="4997302"/>
+          </a:xfrm>
+        </p:spPr>
+        <p:txBody>
+          <a:bodyPr>
+            <a:normAutofit fontScale="92500" lnSpcReduction="10000"/>
+          </a:bodyPr>
+          <a:lstStyle/>
+          <a:p>
+            <a:r>
+              <a:rPr lang="en-US" sz="2800" dirty="0"/>
               <a:t>We examined the data from these data sets and looked for discernable patterns between gun sales and mass shootings.  </a:t>
             </a:r>
           </a:p>
           <a:p>
-            <a:endParaRPr lang="en-US" dirty="0"/>
-          </a:p>
-          <a:p>
-            <a:r>
-              <a:rPr lang="en-US" dirty="0"/>
+            <a:endParaRPr lang="en-US" sz="2800" dirty="0"/>
+          </a:p>
+          <a:p>
+            <a:r>
+              <a:rPr lang="en-US" sz="2800" dirty="0"/>
               <a:t>We ran an independent sample t-test to look at the difference between the mean number of guns purchased in months not directly following a mass shooting and the mean number of guns purchased in the months directly following a major mass shooting.  </a:t>
             </a:r>
           </a:p>
           <a:p>
-            <a:endParaRPr lang="en-US" dirty="0"/>
-          </a:p>
-          <a:p>
-            <a:r>
-              <a:rPr lang="en-US" dirty="0"/>
-              <a:t>We also looked at stock  patterns  for Smith &amp; Wesson and Ruger (RGR) surrounding the time of the  highest profile mass shooting in the United States.  </a:t>
-            </a:r>
+            <a:endParaRPr lang="en-US" sz="2800" dirty="0"/>
+          </a:p>
+          <a:p>
+            <a:r>
+              <a:rPr lang="en-US" sz="2800" dirty="0"/>
+              <a:t>We looked at stock  patterns  for Smith &amp; Wesson and Ruger (RGR) surrounding the time the Las Vegas shooting, the highest profile mass shooting in the United States.  </a:t>
+            </a:r>
+          </a:p>
+          <a:p>
+            <a:endParaRPr lang="en-US" sz="2800" dirty="0"/>
           </a:p>
           <a:p>
             <a:endParaRPr lang="en-US" dirty="0"/>
@@ -7541,7 +7775,7 @@
 </p:sld>
 </file>
 
-<file path=ppt/slides/slide24.xml><?xml version="1.0" encoding="utf-8"?>
+<file path=ppt/slides/slide26.xml><?xml version="1.0" encoding="utf-8"?>
 <p:sld xmlns:a="http://schemas.openxmlformats.org/drawingml/2006/main" xmlns:r="http://schemas.openxmlformats.org/officeDocument/2006/relationships" xmlns:p="http://schemas.openxmlformats.org/presentationml/2006/main">
   <p:cSld>
     <p:bg>
@@ -7645,7 +7879,7 @@
 </p:sld>
 </file>
 
-<file path=ppt/slides/slide25.xml><?xml version="1.0" encoding="utf-8"?>
+<file path=ppt/slides/slide27.xml><?xml version="1.0" encoding="utf-8"?>
 <p:sld xmlns:a="http://schemas.openxmlformats.org/drawingml/2006/main" xmlns:r="http://schemas.openxmlformats.org/officeDocument/2006/relationships" xmlns:p="http://schemas.openxmlformats.org/presentationml/2006/main">
   <p:cSld>
     <p:bg>
@@ -7751,7 +7985,7 @@
 </p:sld>
 </file>
 
-<file path=ppt/slides/slide26.xml><?xml version="1.0" encoding="utf-8"?>
+<file path=ppt/slides/slide28.xml><?xml version="1.0" encoding="utf-8"?>
 <p:sld xmlns:a="http://schemas.openxmlformats.org/drawingml/2006/main" xmlns:r="http://schemas.openxmlformats.org/officeDocument/2006/relationships" xmlns:p="http://schemas.openxmlformats.org/presentationml/2006/main">
   <p:cSld>
     <p:spTree>
@@ -7829,14 +8063,14 @@
           <a:lstStyle/>
           <a:p>
             <a:r>
-              <a:rPr lang="en-US" sz="2400" b="1" u="sng" dirty="0"/>
+              <a:rPr lang="en-US" sz="2800" b="1" u="sng" dirty="0"/>
               <a:t>T-test </a:t>
             </a:r>
           </a:p>
           <a:p>
             <a:pPr lvl="1"/>
             <a:r>
-              <a:rPr lang="en-US" sz="2200" dirty="0"/>
+              <a:rPr lang="en-US" sz="2800" dirty="0"/>
               <a:t>There was not a significant difference in the number of guns purchased just after a mass shooting (M=1153004.15, SD=304920.32) and the number of guns purchased at the same time of year when there was no mass shooting (M=1138564.50, SD=272338.34) ; t(1.262), p=.0.212.</a:t>
             </a:r>
           </a:p>
@@ -7864,7 +8098,7 @@
 </p:sld>
 </file>
 
-<file path=ppt/slides/slide27.xml><?xml version="1.0" encoding="utf-8"?>
+<file path=ppt/slides/slide29.xml><?xml version="1.0" encoding="utf-8"?>
 <p:sld xmlns:a="http://schemas.openxmlformats.org/drawingml/2006/main" xmlns:r="http://schemas.openxmlformats.org/officeDocument/2006/relationships" xmlns:p="http://schemas.openxmlformats.org/presentationml/2006/main">
   <p:cSld>
     <p:spTree>
@@ -7897,7 +8131,7 @@
             <p:ph idx="1"/>
             <p:extLst>
               <p:ext uri="{D42A27DB-BD31-4B8C-83A1-F6EECF244321}">
-                <p14:modId xmlns:p14="http://schemas.microsoft.com/office/powerpoint/2010/main" val="703670157"/>
+                <p14:modId xmlns:p14="http://schemas.microsoft.com/office/powerpoint/2010/main" val="3912982926"/>
               </p:ext>
             </p:extLst>
           </p:nvPr>
@@ -8228,7 +8462,7 @@
                     <a:p>
                       <a:r>
                         <a:rPr lang="en-US" dirty="0"/>
-                        <a:t>.70</a:t>
+                        <a:t>.70**</a:t>
                       </a:r>
                     </a:p>
                   </a:txBody>
@@ -8313,7 +8547,7 @@
                     <a:p>
                       <a:r>
                         <a:rPr lang="en-US" dirty="0"/>
-                        <a:t>.70</a:t>
+                        <a:t>.70**</a:t>
                       </a:r>
                     </a:p>
                   </a:txBody>
@@ -8450,7 +8684,7 @@
                     <a:p>
                       <a:r>
                         <a:rPr lang="en-US" dirty="0"/>
-                        <a:t>.74</a:t>
+                        <a:t>.74**</a:t>
                       </a:r>
                     </a:p>
                   </a:txBody>
@@ -8535,7 +8769,7 @@
                     <a:p>
                       <a:r>
                         <a:rPr lang="en-US" dirty="0"/>
-                        <a:t>.74</a:t>
+                        <a:t>.74**</a:t>
                       </a:r>
                     </a:p>
                   </a:txBody>
@@ -8561,7 +8795,7 @@
                     <a:p>
                       <a:r>
                         <a:rPr lang="en-US" dirty="0"/>
-                        <a:t>.54</a:t>
+                        <a:t>.54**</a:t>
                       </a:r>
                     </a:p>
                   </a:txBody>
@@ -8646,7 +8880,7 @@
                     <a:p>
                       <a:r>
                         <a:rPr lang="en-US" dirty="0"/>
-                        <a:t>.54</a:t>
+                        <a:t>.54**</a:t>
                       </a:r>
                     </a:p>
                   </a:txBody>
@@ -8688,308 +8922,6 @@
 </p:sld>
 </file>
 
-<file path=ppt/slides/slide28.xml><?xml version="1.0" encoding="utf-8"?>
-<p:sld xmlns:a="http://schemas.openxmlformats.org/drawingml/2006/main" xmlns:r="http://schemas.openxmlformats.org/officeDocument/2006/relationships" xmlns:p="http://schemas.openxmlformats.org/presentationml/2006/main">
-  <p:cSld>
-    <p:spTree>
-      <p:nvGrpSpPr>
-        <p:cNvPr id="1" name=""/>
-        <p:cNvGrpSpPr/>
-        <p:nvPr/>
-      </p:nvGrpSpPr>
-      <p:grpSpPr>
-        <a:xfrm>
-          <a:off x="0" y="0"/>
-          <a:ext cx="0" cy="0"/>
-          <a:chOff x="0" y="0"/>
-          <a:chExt cx="0" cy="0"/>
-        </a:xfrm>
-      </p:grpSpPr>
-      <p:sp>
-        <p:nvSpPr>
-          <p:cNvPr id="2" name="Title 1">
-            <a:extLst>
-              <a:ext uri="{FF2B5EF4-FFF2-40B4-BE49-F238E27FC236}">
-                <a16:creationId xmlns:a16="http://schemas.microsoft.com/office/drawing/2014/main" id="{1E987FC8-BC5B-4075-8663-8B76E51F960D}"/>
-              </a:ext>
-            </a:extLst>
-          </p:cNvPr>
-          <p:cNvSpPr>
-            <a:spLocks noGrp="1"/>
-          </p:cNvSpPr>
-          <p:nvPr>
-            <p:ph type="title"/>
-          </p:nvPr>
-        </p:nvSpPr>
-        <p:spPr>
-          <a:xfrm>
-            <a:off x="1167624" y="104751"/>
-            <a:ext cx="10131425" cy="1028698"/>
-          </a:xfrm>
-        </p:spPr>
-        <p:txBody>
-          <a:bodyPr/>
-          <a:lstStyle/>
-          <a:p>
-            <a:pPr algn="ctr"/>
-            <a:r>
-              <a:rPr lang="en-US" dirty="0"/>
-              <a:t>Conclusions</a:t>
-            </a:r>
-          </a:p>
-        </p:txBody>
-      </p:sp>
-      <p:sp>
-        <p:nvSpPr>
-          <p:cNvPr id="3" name="Content Placeholder 2">
-            <a:extLst>
-              <a:ext uri="{FF2B5EF4-FFF2-40B4-BE49-F238E27FC236}">
-                <a16:creationId xmlns:a16="http://schemas.microsoft.com/office/drawing/2014/main" id="{99D3B098-B843-46AA-ACF5-A87DAA7C7000}"/>
-              </a:ext>
-            </a:extLst>
-          </p:cNvPr>
-          <p:cNvSpPr>
-            <a:spLocks noGrp="1"/>
-          </p:cNvSpPr>
-          <p:nvPr>
-            <p:ph idx="1"/>
-          </p:nvPr>
-        </p:nvSpPr>
-        <p:spPr>
-          <a:xfrm>
-            <a:off x="855921" y="1367365"/>
-            <a:ext cx="10754832" cy="4914901"/>
-          </a:xfrm>
-        </p:spPr>
-        <p:txBody>
-          <a:bodyPr/>
-          <a:lstStyle/>
-          <a:p>
-            <a:r>
-              <a:rPr lang="en-US" dirty="0"/>
-              <a:t>We could not find a statistically significant relationship between mass shootings and an increase in gun sales as compared to the sales the year prior during the time period we considered in this study.    </a:t>
-            </a:r>
-          </a:p>
-          <a:p>
-            <a:endParaRPr lang="en-US" dirty="0"/>
-          </a:p>
-          <a:p>
-            <a:r>
-              <a:rPr lang="en-US" dirty="0"/>
-              <a:t>In looking at the data from the stocks market we were also not able to substantiate a significant relationship between mass shootings and firearm stock increases.  </a:t>
-            </a:r>
-          </a:p>
-          <a:p>
-            <a:endParaRPr lang="en-US" dirty="0"/>
-          </a:p>
-          <a:p>
-            <a:r>
-              <a:rPr lang="en-US" dirty="0"/>
-              <a:t>Gun sales data appear to followed a fairly consistent pattern from year to year during the period we studied and do not appear to be significantly affected by the mass shootings that occurred in this period. </a:t>
-            </a:r>
-          </a:p>
-          <a:p>
-            <a:endParaRPr lang="en-US" dirty="0"/>
-          </a:p>
-          <a:p>
-            <a:r>
-              <a:rPr lang="en-US" dirty="0"/>
-              <a:t>We were not able to find any significant correlations between any of the data points we used.  </a:t>
-            </a:r>
-          </a:p>
-          <a:p>
-            <a:endParaRPr lang="en-US" dirty="0"/>
-          </a:p>
-          <a:p>
-            <a:r>
-              <a:rPr lang="en-US" dirty="0"/>
-              <a:t>The strongest correlation was between gun sales after a mass shooting incident and gun sales during that time period the year before.  </a:t>
-            </a:r>
-          </a:p>
-        </p:txBody>
-      </p:sp>
-    </p:spTree>
-    <p:extLst>
-      <p:ext uri="{BB962C8B-B14F-4D97-AF65-F5344CB8AC3E}">
-        <p14:creationId xmlns:p14="http://schemas.microsoft.com/office/powerpoint/2010/main" val="3172660372"/>
-      </p:ext>
-    </p:extLst>
-  </p:cSld>
-  <p:clrMapOvr>
-    <a:masterClrMapping/>
-  </p:clrMapOvr>
-</p:sld>
-</file>
-
-<file path=ppt/slides/slide29.xml><?xml version="1.0" encoding="utf-8"?>
-<p:sld xmlns:a="http://schemas.openxmlformats.org/drawingml/2006/main" xmlns:r="http://schemas.openxmlformats.org/officeDocument/2006/relationships" xmlns:p="http://schemas.openxmlformats.org/presentationml/2006/main">
-  <p:cSld>
-    <p:spTree>
-      <p:nvGrpSpPr>
-        <p:cNvPr id="1" name=""/>
-        <p:cNvGrpSpPr/>
-        <p:nvPr/>
-      </p:nvGrpSpPr>
-      <p:grpSpPr>
-        <a:xfrm>
-          <a:off x="0" y="0"/>
-          <a:ext cx="0" cy="0"/>
-          <a:chOff x="0" y="0"/>
-          <a:chExt cx="0" cy="0"/>
-        </a:xfrm>
-      </p:grpSpPr>
-      <p:sp>
-        <p:nvSpPr>
-          <p:cNvPr id="2" name="Title 1">
-            <a:extLst>
-              <a:ext uri="{FF2B5EF4-FFF2-40B4-BE49-F238E27FC236}">
-                <a16:creationId xmlns:a16="http://schemas.microsoft.com/office/drawing/2014/main" id="{1E987FC8-BC5B-4075-8663-8B76E51F960D}"/>
-              </a:ext>
-            </a:extLst>
-          </p:cNvPr>
-          <p:cNvSpPr>
-            <a:spLocks noGrp="1"/>
-          </p:cNvSpPr>
-          <p:nvPr>
-            <p:ph type="title"/>
-          </p:nvPr>
-        </p:nvSpPr>
-        <p:spPr>
-          <a:xfrm>
-            <a:off x="1167624" y="104751"/>
-            <a:ext cx="10131425" cy="1028698"/>
-          </a:xfrm>
-        </p:spPr>
-        <p:txBody>
-          <a:bodyPr/>
-          <a:lstStyle/>
-          <a:p>
-            <a:pPr algn="ctr"/>
-            <a:r>
-              <a:rPr lang="en-US" dirty="0"/>
-              <a:t>Limitations</a:t>
-            </a:r>
-          </a:p>
-        </p:txBody>
-      </p:sp>
-      <p:sp>
-        <p:nvSpPr>
-          <p:cNvPr id="3" name="Content Placeholder 2">
-            <a:extLst>
-              <a:ext uri="{FF2B5EF4-FFF2-40B4-BE49-F238E27FC236}">
-                <a16:creationId xmlns:a16="http://schemas.microsoft.com/office/drawing/2014/main" id="{99D3B098-B843-46AA-ACF5-A87DAA7C7000}"/>
-              </a:ext>
-            </a:extLst>
-          </p:cNvPr>
-          <p:cNvSpPr>
-            <a:spLocks noGrp="1"/>
-          </p:cNvSpPr>
-          <p:nvPr>
-            <p:ph idx="1"/>
-          </p:nvPr>
-        </p:nvSpPr>
-        <p:spPr>
-          <a:xfrm>
-            <a:off x="531628" y="871870"/>
-            <a:ext cx="11355572" cy="5677785"/>
-          </a:xfrm>
-        </p:spPr>
-        <p:txBody>
-          <a:bodyPr>
-            <a:normAutofit lnSpcReduction="10000"/>
-          </a:bodyPr>
-          <a:lstStyle/>
-          <a:p>
-            <a:r>
-              <a:rPr lang="en-US" dirty="0"/>
-              <a:t>We used a very narrow definition of mass shooting (5 or more people shot or killed and corresponds with a high rate of searches for “shooting” on google trends)</a:t>
-            </a:r>
-          </a:p>
-          <a:p>
-            <a:pPr lvl="1"/>
-            <a:r>
-              <a:rPr lang="en-US" dirty="0"/>
-              <a:t>A broader definition would have allowed for more data point </a:t>
-            </a:r>
-          </a:p>
-          <a:p>
-            <a:endParaRPr lang="en-US" dirty="0"/>
-          </a:p>
-          <a:p>
-            <a:r>
-              <a:rPr lang="en-US" dirty="0"/>
-              <a:t>We limited our study to  five years.  </a:t>
-            </a:r>
-          </a:p>
-          <a:p>
-            <a:pPr lvl="1"/>
-            <a:r>
-              <a:rPr lang="en-US" dirty="0"/>
-              <a:t>We may have been able to detect more minute changes in the pattern if we had a longer span of time</a:t>
-            </a:r>
-          </a:p>
-          <a:p>
-            <a:endParaRPr lang="en-US" dirty="0"/>
-          </a:p>
-          <a:p>
-            <a:r>
-              <a:rPr lang="en-US" dirty="0"/>
-              <a:t>We used the FBI data from background checks to look at gun purchases.  </a:t>
-            </a:r>
-          </a:p>
-          <a:p>
-            <a:pPr lvl="1"/>
-            <a:r>
-              <a:rPr lang="en-US" dirty="0"/>
-              <a:t>This data may not included all gun sales and is unlikely to include person to person gun sales or gun sales at gun shows</a:t>
-            </a:r>
-          </a:p>
-          <a:p>
-            <a:endParaRPr lang="en-US" dirty="0"/>
-          </a:p>
-          <a:p>
-            <a:r>
-              <a:rPr lang="en-US" dirty="0"/>
-              <a:t>We used a T-test to compare mean sales between two time periods</a:t>
-            </a:r>
-          </a:p>
-          <a:p>
-            <a:pPr lvl="1"/>
-            <a:r>
-              <a:rPr lang="en-US" dirty="0"/>
-              <a:t>Other statistical methods would have allowed for a more complex understanding of the relationship between mass shootings  and gun violence.</a:t>
-            </a:r>
-          </a:p>
-          <a:p>
-            <a:endParaRPr lang="en-US" dirty="0"/>
-          </a:p>
-          <a:p>
-            <a:r>
-              <a:rPr lang="en-US" dirty="0"/>
-              <a:t>We did not account for legislation restricting gun sales or political debates surrounding gun sale restrictions</a:t>
-            </a:r>
-          </a:p>
-          <a:p>
-            <a:pPr marL="0" indent="0">
-              <a:buNone/>
-            </a:pPr>
-            <a:endParaRPr lang="en-US" dirty="0"/>
-          </a:p>
-        </p:txBody>
-      </p:sp>
-    </p:spTree>
-    <p:extLst>
-      <p:ext uri="{BB962C8B-B14F-4D97-AF65-F5344CB8AC3E}">
-        <p14:creationId xmlns:p14="http://schemas.microsoft.com/office/powerpoint/2010/main" val="113234337"/>
-      </p:ext>
-    </p:extLst>
-  </p:cSld>
-  <p:clrMapOvr>
-    <a:masterClrMapping/>
-  </p:clrMapOvr>
-</p:sld>
-</file>
-
 <file path=ppt/slides/slide3.xml><?xml version="1.0" encoding="utf-8"?>
 <p:sld xmlns:a="http://schemas.openxmlformats.org/drawingml/2006/main" xmlns:r="http://schemas.openxmlformats.org/officeDocument/2006/relationships" xmlns:p="http://schemas.openxmlformats.org/presentationml/2006/main">
   <p:cSld>
@@ -9100,6 +9032,505 @@
     <p:extLst>
       <p:ext uri="{BB962C8B-B14F-4D97-AF65-F5344CB8AC3E}">
         <p14:creationId xmlns:p14="http://schemas.microsoft.com/office/powerpoint/2010/main" val="4029675555"/>
+      </p:ext>
+    </p:extLst>
+  </p:cSld>
+  <p:clrMapOvr>
+    <a:masterClrMapping/>
+  </p:clrMapOvr>
+</p:sld>
+</file>
+
+<file path=ppt/slides/slide30.xml><?xml version="1.0" encoding="utf-8"?>
+<p:sld xmlns:a="http://schemas.openxmlformats.org/drawingml/2006/main" xmlns:r="http://schemas.openxmlformats.org/officeDocument/2006/relationships" xmlns:p="http://schemas.openxmlformats.org/presentationml/2006/main">
+  <p:cSld>
+    <p:spTree>
+      <p:nvGrpSpPr>
+        <p:cNvPr id="1" name=""/>
+        <p:cNvGrpSpPr/>
+        <p:nvPr/>
+      </p:nvGrpSpPr>
+      <p:grpSpPr>
+        <a:xfrm>
+          <a:off x="0" y="0"/>
+          <a:ext cx="0" cy="0"/>
+          <a:chOff x="0" y="0"/>
+          <a:chExt cx="0" cy="0"/>
+        </a:xfrm>
+      </p:grpSpPr>
+      <p:sp>
+        <p:nvSpPr>
+          <p:cNvPr id="2" name="Title 1">
+            <a:extLst>
+              <a:ext uri="{FF2B5EF4-FFF2-40B4-BE49-F238E27FC236}">
+                <a16:creationId xmlns:a16="http://schemas.microsoft.com/office/drawing/2014/main" id="{1E987FC8-BC5B-4075-8663-8B76E51F960D}"/>
+              </a:ext>
+            </a:extLst>
+          </p:cNvPr>
+          <p:cNvSpPr>
+            <a:spLocks noGrp="1"/>
+          </p:cNvSpPr>
+          <p:nvPr>
+            <p:ph type="title"/>
+          </p:nvPr>
+        </p:nvSpPr>
+        <p:spPr>
+          <a:xfrm>
+            <a:off x="1167624" y="104751"/>
+            <a:ext cx="10131425" cy="1028698"/>
+          </a:xfrm>
+        </p:spPr>
+        <p:txBody>
+          <a:bodyPr/>
+          <a:lstStyle/>
+          <a:p>
+            <a:pPr algn="ctr"/>
+            <a:r>
+              <a:rPr lang="en-US" dirty="0"/>
+              <a:t>Conclusions</a:t>
+            </a:r>
+          </a:p>
+        </p:txBody>
+      </p:sp>
+      <p:sp>
+        <p:nvSpPr>
+          <p:cNvPr id="3" name="Content Placeholder 2">
+            <a:extLst>
+              <a:ext uri="{FF2B5EF4-FFF2-40B4-BE49-F238E27FC236}">
+                <a16:creationId xmlns:a16="http://schemas.microsoft.com/office/drawing/2014/main" id="{99D3B098-B843-46AA-ACF5-A87DAA7C7000}"/>
+              </a:ext>
+            </a:extLst>
+          </p:cNvPr>
+          <p:cNvSpPr>
+            <a:spLocks noGrp="1"/>
+          </p:cNvSpPr>
+          <p:nvPr>
+            <p:ph idx="1"/>
+          </p:nvPr>
+        </p:nvSpPr>
+        <p:spPr>
+          <a:xfrm>
+            <a:off x="718584" y="1161112"/>
+            <a:ext cx="10754832" cy="4914901"/>
+          </a:xfrm>
+        </p:spPr>
+        <p:txBody>
+          <a:bodyPr>
+            <a:normAutofit/>
+          </a:bodyPr>
+          <a:lstStyle/>
+          <a:p>
+            <a:r>
+              <a:rPr lang="en-US" sz="2400" dirty="0"/>
+              <a:t>We could not find a statistically significant relationship between mass shootings and an increase in gun sales as compared to the sales the year prior during the time period we considered in this study.    </a:t>
+            </a:r>
+          </a:p>
+          <a:p>
+            <a:endParaRPr lang="en-US" sz="2400" dirty="0"/>
+          </a:p>
+          <a:p>
+            <a:r>
+              <a:rPr lang="en-US" sz="2400" dirty="0"/>
+              <a:t>In looking at the data from the stocks market we were also not able to substantiate a significant relationship between mass shootings and firearm stock increases.  </a:t>
+            </a:r>
+          </a:p>
+          <a:p>
+            <a:endParaRPr lang="en-US" sz="2400" dirty="0"/>
+          </a:p>
+        </p:txBody>
+      </p:sp>
+    </p:spTree>
+    <p:extLst>
+      <p:ext uri="{BB962C8B-B14F-4D97-AF65-F5344CB8AC3E}">
+        <p14:creationId xmlns:p14="http://schemas.microsoft.com/office/powerpoint/2010/main" val="2203413550"/>
+      </p:ext>
+    </p:extLst>
+  </p:cSld>
+  <p:clrMapOvr>
+    <a:masterClrMapping/>
+  </p:clrMapOvr>
+</p:sld>
+</file>
+
+<file path=ppt/slides/slide31.xml><?xml version="1.0" encoding="utf-8"?>
+<p:sld xmlns:a="http://schemas.openxmlformats.org/drawingml/2006/main" xmlns:r="http://schemas.openxmlformats.org/officeDocument/2006/relationships" xmlns:p="http://schemas.openxmlformats.org/presentationml/2006/main">
+  <p:cSld>
+    <p:spTree>
+      <p:nvGrpSpPr>
+        <p:cNvPr id="1" name=""/>
+        <p:cNvGrpSpPr/>
+        <p:nvPr/>
+      </p:nvGrpSpPr>
+      <p:grpSpPr>
+        <a:xfrm>
+          <a:off x="0" y="0"/>
+          <a:ext cx="0" cy="0"/>
+          <a:chOff x="0" y="0"/>
+          <a:chExt cx="0" cy="0"/>
+        </a:xfrm>
+      </p:grpSpPr>
+      <p:sp>
+        <p:nvSpPr>
+          <p:cNvPr id="2" name="Title 1">
+            <a:extLst>
+              <a:ext uri="{FF2B5EF4-FFF2-40B4-BE49-F238E27FC236}">
+                <a16:creationId xmlns:a16="http://schemas.microsoft.com/office/drawing/2014/main" id="{1E987FC8-BC5B-4075-8663-8B76E51F960D}"/>
+              </a:ext>
+            </a:extLst>
+          </p:cNvPr>
+          <p:cNvSpPr>
+            <a:spLocks noGrp="1"/>
+          </p:cNvSpPr>
+          <p:nvPr>
+            <p:ph type="title"/>
+          </p:nvPr>
+        </p:nvSpPr>
+        <p:spPr>
+          <a:xfrm>
+            <a:off x="1167624" y="104751"/>
+            <a:ext cx="10131425" cy="1028698"/>
+          </a:xfrm>
+        </p:spPr>
+        <p:txBody>
+          <a:bodyPr/>
+          <a:lstStyle/>
+          <a:p>
+            <a:pPr algn="ctr"/>
+            <a:r>
+              <a:rPr lang="en-US" dirty="0"/>
+              <a:t>Conclusions</a:t>
+            </a:r>
+          </a:p>
+        </p:txBody>
+      </p:sp>
+      <p:sp>
+        <p:nvSpPr>
+          <p:cNvPr id="3" name="Content Placeholder 2">
+            <a:extLst>
+              <a:ext uri="{FF2B5EF4-FFF2-40B4-BE49-F238E27FC236}">
+                <a16:creationId xmlns:a16="http://schemas.microsoft.com/office/drawing/2014/main" id="{99D3B098-B843-46AA-ACF5-A87DAA7C7000}"/>
+              </a:ext>
+            </a:extLst>
+          </p:cNvPr>
+          <p:cNvSpPr>
+            <a:spLocks noGrp="1"/>
+          </p:cNvSpPr>
+          <p:nvPr>
+            <p:ph idx="1"/>
+          </p:nvPr>
+        </p:nvSpPr>
+        <p:spPr>
+          <a:xfrm>
+            <a:off x="510363" y="978195"/>
+            <a:ext cx="11355572" cy="5486400"/>
+          </a:xfrm>
+        </p:spPr>
+        <p:txBody>
+          <a:bodyPr>
+            <a:normAutofit/>
+          </a:bodyPr>
+          <a:lstStyle/>
+          <a:p>
+            <a:r>
+              <a:rPr lang="en-US" sz="2400" dirty="0"/>
+              <a:t>Gun sales data appear to followed a fairly consistent pattern from year to year during the period we studied and do not appear to be significantly affected by the mass shootings that occurred in this period. </a:t>
+            </a:r>
+          </a:p>
+          <a:p>
+            <a:endParaRPr lang="en-US" sz="2400" dirty="0"/>
+          </a:p>
+          <a:p>
+            <a:r>
+              <a:rPr lang="en-US" sz="2400" dirty="0"/>
+              <a:t>We were not able to find any significant correlations between any of the data points we used.  </a:t>
+            </a:r>
+          </a:p>
+          <a:p>
+            <a:endParaRPr lang="en-US" sz="2400" dirty="0"/>
+          </a:p>
+          <a:p>
+            <a:r>
+              <a:rPr lang="en-US" sz="2400" dirty="0"/>
+              <a:t>The strongest correlation was between gun sales after a mass shooting incident and gun sales during that time period the year before.  </a:t>
+            </a:r>
+          </a:p>
+        </p:txBody>
+      </p:sp>
+    </p:spTree>
+    <p:extLst>
+      <p:ext uri="{BB962C8B-B14F-4D97-AF65-F5344CB8AC3E}">
+        <p14:creationId xmlns:p14="http://schemas.microsoft.com/office/powerpoint/2010/main" val="3172660372"/>
+      </p:ext>
+    </p:extLst>
+  </p:cSld>
+  <p:clrMapOvr>
+    <a:masterClrMapping/>
+  </p:clrMapOvr>
+</p:sld>
+</file>
+
+<file path=ppt/slides/slide32.xml><?xml version="1.0" encoding="utf-8"?>
+<p:sld xmlns:a="http://schemas.openxmlformats.org/drawingml/2006/main" xmlns:r="http://schemas.openxmlformats.org/officeDocument/2006/relationships" xmlns:p="http://schemas.openxmlformats.org/presentationml/2006/main">
+  <p:cSld>
+    <p:spTree>
+      <p:nvGrpSpPr>
+        <p:cNvPr id="1" name=""/>
+        <p:cNvGrpSpPr/>
+        <p:nvPr/>
+      </p:nvGrpSpPr>
+      <p:grpSpPr>
+        <a:xfrm>
+          <a:off x="0" y="0"/>
+          <a:ext cx="0" cy="0"/>
+          <a:chOff x="0" y="0"/>
+          <a:chExt cx="0" cy="0"/>
+        </a:xfrm>
+      </p:grpSpPr>
+      <p:sp>
+        <p:nvSpPr>
+          <p:cNvPr id="2" name="Title 1">
+            <a:extLst>
+              <a:ext uri="{FF2B5EF4-FFF2-40B4-BE49-F238E27FC236}">
+                <a16:creationId xmlns:a16="http://schemas.microsoft.com/office/drawing/2014/main" id="{1E987FC8-BC5B-4075-8663-8B76E51F960D}"/>
+              </a:ext>
+            </a:extLst>
+          </p:cNvPr>
+          <p:cNvSpPr>
+            <a:spLocks noGrp="1"/>
+          </p:cNvSpPr>
+          <p:nvPr>
+            <p:ph type="title"/>
+          </p:nvPr>
+        </p:nvSpPr>
+        <p:spPr>
+          <a:xfrm>
+            <a:off x="1167624" y="104751"/>
+            <a:ext cx="10131425" cy="1028698"/>
+          </a:xfrm>
+        </p:spPr>
+        <p:txBody>
+          <a:bodyPr/>
+          <a:lstStyle/>
+          <a:p>
+            <a:pPr algn="ctr"/>
+            <a:r>
+              <a:rPr lang="en-US" dirty="0"/>
+              <a:t>Limitations</a:t>
+            </a:r>
+          </a:p>
+        </p:txBody>
+      </p:sp>
+      <p:sp>
+        <p:nvSpPr>
+          <p:cNvPr id="3" name="Content Placeholder 2">
+            <a:extLst>
+              <a:ext uri="{FF2B5EF4-FFF2-40B4-BE49-F238E27FC236}">
+                <a16:creationId xmlns:a16="http://schemas.microsoft.com/office/drawing/2014/main" id="{99D3B098-B843-46AA-ACF5-A87DAA7C7000}"/>
+              </a:ext>
+            </a:extLst>
+          </p:cNvPr>
+          <p:cNvSpPr>
+            <a:spLocks noGrp="1"/>
+          </p:cNvSpPr>
+          <p:nvPr>
+            <p:ph idx="1"/>
+          </p:nvPr>
+        </p:nvSpPr>
+        <p:spPr>
+          <a:xfrm>
+            <a:off x="418214" y="1054199"/>
+            <a:ext cx="11355572" cy="5677785"/>
+          </a:xfrm>
+        </p:spPr>
+        <p:txBody>
+          <a:bodyPr>
+            <a:normAutofit/>
+          </a:bodyPr>
+          <a:lstStyle/>
+          <a:p>
+            <a:r>
+              <a:rPr lang="en-US" sz="2400" dirty="0"/>
+              <a:t>We used a very narrow definition of mass shooting (5 or more people shot or killed and corresponds with a high rate of searches for “shooting” on google trends)</a:t>
+            </a:r>
+          </a:p>
+          <a:p>
+            <a:pPr lvl="1"/>
+            <a:r>
+              <a:rPr lang="en-US" sz="2400" dirty="0"/>
+              <a:t>A broader definition would have allowed for more data point </a:t>
+            </a:r>
+          </a:p>
+          <a:p>
+            <a:endParaRPr lang="en-US" sz="2400" dirty="0"/>
+          </a:p>
+          <a:p>
+            <a:endParaRPr lang="en-US" sz="2400" dirty="0"/>
+          </a:p>
+          <a:p>
+            <a:r>
+              <a:rPr lang="en-US" sz="2400" dirty="0"/>
+              <a:t>We limited our study to  five years.  </a:t>
+            </a:r>
+          </a:p>
+          <a:p>
+            <a:pPr lvl="1"/>
+            <a:r>
+              <a:rPr lang="en-US" sz="2400" dirty="0"/>
+              <a:t>We may have been able to detect more minute changes in the pattern if we had a longer span of time</a:t>
+            </a:r>
+          </a:p>
+          <a:p>
+            <a:endParaRPr lang="en-US" dirty="0"/>
+          </a:p>
+          <a:p>
+            <a:pPr marL="0" indent="0">
+              <a:buNone/>
+            </a:pPr>
+            <a:endParaRPr lang="en-US" dirty="0"/>
+          </a:p>
+        </p:txBody>
+      </p:sp>
+    </p:spTree>
+    <p:extLst>
+      <p:ext uri="{BB962C8B-B14F-4D97-AF65-F5344CB8AC3E}">
+        <p14:creationId xmlns:p14="http://schemas.microsoft.com/office/powerpoint/2010/main" val="113234337"/>
+      </p:ext>
+    </p:extLst>
+  </p:cSld>
+  <p:clrMapOvr>
+    <a:masterClrMapping/>
+  </p:clrMapOvr>
+</p:sld>
+</file>
+
+<file path=ppt/slides/slide33.xml><?xml version="1.0" encoding="utf-8"?>
+<p:sld xmlns:a="http://schemas.openxmlformats.org/drawingml/2006/main" xmlns:r="http://schemas.openxmlformats.org/officeDocument/2006/relationships" xmlns:p="http://schemas.openxmlformats.org/presentationml/2006/main">
+  <p:cSld>
+    <p:spTree>
+      <p:nvGrpSpPr>
+        <p:cNvPr id="1" name=""/>
+        <p:cNvGrpSpPr/>
+        <p:nvPr/>
+      </p:nvGrpSpPr>
+      <p:grpSpPr>
+        <a:xfrm>
+          <a:off x="0" y="0"/>
+          <a:ext cx="0" cy="0"/>
+          <a:chOff x="0" y="0"/>
+          <a:chExt cx="0" cy="0"/>
+        </a:xfrm>
+      </p:grpSpPr>
+      <p:sp>
+        <p:nvSpPr>
+          <p:cNvPr id="2" name="Title 1">
+            <a:extLst>
+              <a:ext uri="{FF2B5EF4-FFF2-40B4-BE49-F238E27FC236}">
+                <a16:creationId xmlns:a16="http://schemas.microsoft.com/office/drawing/2014/main" id="{1E987FC8-BC5B-4075-8663-8B76E51F960D}"/>
+              </a:ext>
+            </a:extLst>
+          </p:cNvPr>
+          <p:cNvSpPr>
+            <a:spLocks noGrp="1"/>
+          </p:cNvSpPr>
+          <p:nvPr>
+            <p:ph type="title"/>
+          </p:nvPr>
+        </p:nvSpPr>
+        <p:spPr>
+          <a:xfrm>
+            <a:off x="1167624" y="104751"/>
+            <a:ext cx="10131425" cy="1028698"/>
+          </a:xfrm>
+        </p:spPr>
+        <p:txBody>
+          <a:bodyPr/>
+          <a:lstStyle/>
+          <a:p>
+            <a:pPr algn="ctr"/>
+            <a:r>
+              <a:rPr lang="en-US" dirty="0"/>
+              <a:t>Limitations</a:t>
+            </a:r>
+          </a:p>
+        </p:txBody>
+      </p:sp>
+      <p:sp>
+        <p:nvSpPr>
+          <p:cNvPr id="3" name="Content Placeholder 2">
+            <a:extLst>
+              <a:ext uri="{FF2B5EF4-FFF2-40B4-BE49-F238E27FC236}">
+                <a16:creationId xmlns:a16="http://schemas.microsoft.com/office/drawing/2014/main" id="{99D3B098-B843-46AA-ACF5-A87DAA7C7000}"/>
+              </a:ext>
+            </a:extLst>
+          </p:cNvPr>
+          <p:cNvSpPr>
+            <a:spLocks noGrp="1"/>
+          </p:cNvSpPr>
+          <p:nvPr>
+            <p:ph idx="1"/>
+          </p:nvPr>
+        </p:nvSpPr>
+        <p:spPr>
+          <a:xfrm>
+            <a:off x="340242" y="871870"/>
+            <a:ext cx="11546958" cy="5677785"/>
+          </a:xfrm>
+        </p:spPr>
+        <p:txBody>
+          <a:bodyPr>
+            <a:normAutofit/>
+          </a:bodyPr>
+          <a:lstStyle/>
+          <a:p>
+            <a:r>
+              <a:rPr lang="en-US" sz="2400" dirty="0"/>
+              <a:t>We used the FBI data from background checks to look at gun purchases.  </a:t>
+            </a:r>
+          </a:p>
+          <a:p>
+            <a:pPr lvl="1"/>
+            <a:r>
+              <a:rPr lang="en-US" sz="2400" dirty="0"/>
+              <a:t>This data may not included all gun sales and is unlikely to include person to person gun sales or gun sales at gun shows</a:t>
+            </a:r>
+          </a:p>
+          <a:p>
+            <a:endParaRPr lang="en-US" sz="2400" dirty="0"/>
+          </a:p>
+          <a:p>
+            <a:r>
+              <a:rPr lang="en-US" sz="2400" dirty="0"/>
+              <a:t>We used a T-test to compare mean sales between two time periods</a:t>
+            </a:r>
+          </a:p>
+          <a:p>
+            <a:pPr lvl="1"/>
+            <a:r>
+              <a:rPr lang="en-US" sz="2400" dirty="0"/>
+              <a:t>Other statistical methods would have allowed for a more complex understanding of the relationship between mass shootings  and gun violence.</a:t>
+            </a:r>
+          </a:p>
+          <a:p>
+            <a:endParaRPr lang="en-US" sz="2400" dirty="0"/>
+          </a:p>
+          <a:p>
+            <a:r>
+              <a:rPr lang="en-US" sz="2400" dirty="0"/>
+              <a:t>We did not account for legislation restricting gun sales or political debates surrounding gun sale restrictions</a:t>
+            </a:r>
+          </a:p>
+          <a:p>
+            <a:pPr marL="0" indent="0">
+              <a:buNone/>
+            </a:pPr>
+            <a:endParaRPr lang="en-US" dirty="0"/>
+          </a:p>
+        </p:txBody>
+      </p:sp>
+    </p:spTree>
+    <p:extLst>
+      <p:ext uri="{BB962C8B-B14F-4D97-AF65-F5344CB8AC3E}">
+        <p14:creationId xmlns:p14="http://schemas.microsoft.com/office/powerpoint/2010/main" val="1660420186"/>
       </p:ext>
     </p:extLst>
   </p:cSld>
@@ -9679,7 +10110,14 @@
             <a:pPr lvl="2"/>
             <a:r>
               <a:rPr lang="en-US" sz="2000" dirty="0"/>
-              <a:t>Google trends assigns a value to appearances of a search term (0-100)  (Relative Value)</a:t>
+              <a:t>Google trends creates a scaled score (0-100) for a search term  (Relative Value)</a:t>
+            </a:r>
+          </a:p>
+          <a:p>
+            <a:pPr lvl="3"/>
+            <a:r>
+              <a:rPr lang="en-US" sz="1800" dirty="0"/>
+              <a:t>Data points are divided by the total searches of the geography and time range it represents to get a better representation of relative popularity of a search term at a given time point.  </a:t>
             </a:r>
           </a:p>
           <a:p>
@@ -9807,7 +10245,7 @@
         </p:spPr>
         <p:txBody>
           <a:bodyPr>
-            <a:normAutofit lnSpcReduction="10000"/>
+            <a:normAutofit/>
           </a:bodyPr>
           <a:lstStyle/>
           <a:p>
@@ -9823,40 +10261,13 @@
             <a:pPr lvl="1"/>
             <a:r>
               <a:rPr lang="en-US" sz="2400" dirty="0"/>
-              <a:t>We included the number of successful purchases of handguns, </a:t>
-            </a:r>
-            <a:r>
-              <a:rPr lang="en-US" sz="2400" dirty="0" err="1"/>
-              <a:t>long_guns</a:t>
-            </a:r>
-            <a:r>
-              <a:rPr lang="en-US" sz="2400" dirty="0"/>
-              <a:t>, other guns, and multiple weapons as gun purchases per month </a:t>
-            </a:r>
-          </a:p>
-          <a:p>
-            <a:pPr lvl="2"/>
-            <a:r>
-              <a:rPr lang="en-US" sz="2200" dirty="0"/>
-              <a:t>Jan- 2014- July 2019</a:t>
-            </a:r>
-          </a:p>
-          <a:p>
-            <a:pPr lvl="2"/>
-            <a:r>
-              <a:rPr lang="en-US" sz="2200" dirty="0"/>
-              <a:t>Total Gun Sales: 72,463,764</a:t>
-            </a:r>
-          </a:p>
-          <a:p>
-            <a:pPr lvl="2"/>
-            <a:r>
-              <a:rPr lang="en-US" sz="2200" dirty="0"/>
-              <a:t>Mean Gun Sales per Month: 1,081,548.72 (SD:262,654.64)</a:t>
-            </a:r>
-          </a:p>
-          <a:p>
-            <a:pPr lvl="2"/>
+              <a:t>We included the number of successful purchases of handguns, long-guns, other guns, and multiple weapons as gun purchases per month </a:t>
+            </a:r>
+          </a:p>
+          <a:p>
+            <a:pPr marL="914400" lvl="2" indent="0">
+              <a:buNone/>
+            </a:pPr>
             <a:endParaRPr lang="en-US" sz="2200" dirty="0"/>
           </a:p>
           <a:p>

--- a/Data Merged/Mass Shooting and Gun purchases in U.S.A .pptx
+++ b/Data Merged/Mass Shooting and Gun purchases in U.S.A .pptx
@@ -36,8 +36,11 @@
     <p:sldId id="283" r:id="rId30"/>
     <p:sldId id="288" r:id="rId31"/>
     <p:sldId id="284" r:id="rId32"/>
-    <p:sldId id="285" r:id="rId33"/>
-    <p:sldId id="289" r:id="rId34"/>
+    <p:sldId id="292" r:id="rId33"/>
+    <p:sldId id="291" r:id="rId34"/>
+    <p:sldId id="293" r:id="rId35"/>
+    <p:sldId id="285" r:id="rId36"/>
+    <p:sldId id="289" r:id="rId37"/>
   </p:sldIdLst>
   <p:sldSz cx="12192000" cy="6858000"/>
   <p:notesSz cx="6858000" cy="9144000"/>
@@ -374,7 +377,7 @@
             <a:fld id="{B61BEF0D-F0BB-DE4B-95CE-6DB70DBA9567}" type="datetimeFigureOut">
               <a:rPr lang="en-US" dirty="0"/>
               <a:pPr/>
-              <a:t>9/11/2019</a:t>
+              <a:t>9/11/19</a:t>
             </a:fld>
             <a:endParaRPr lang="en-US" dirty="0"/>
           </a:p>
@@ -705,7 +708,7 @@
             <a:fld id="{B61BEF0D-F0BB-DE4B-95CE-6DB70DBA9567}" type="datetimeFigureOut">
               <a:rPr lang="en-US" dirty="0"/>
               <a:pPr/>
-              <a:t>9/11/2019</a:t>
+              <a:t>9/11/19</a:t>
             </a:fld>
             <a:endParaRPr lang="en-US" dirty="0"/>
           </a:p>
@@ -980,7 +983,7 @@
             <a:fld id="{B61BEF0D-F0BB-DE4B-95CE-6DB70DBA9567}" type="datetimeFigureOut">
               <a:rPr lang="en-US" dirty="0"/>
               <a:pPr/>
-              <a:t>9/11/2019</a:t>
+              <a:t>9/11/19</a:t>
             </a:fld>
             <a:endParaRPr lang="en-US" dirty="0"/>
           </a:p>
@@ -1545,7 +1548,7 @@
             <a:fld id="{B61BEF0D-F0BB-DE4B-95CE-6DB70DBA9567}" type="datetimeFigureOut">
               <a:rPr lang="en-US" dirty="0"/>
               <a:pPr/>
-              <a:t>9/11/2019</a:t>
+              <a:t>9/11/19</a:t>
             </a:fld>
             <a:endParaRPr lang="en-US" dirty="0"/>
           </a:p>
@@ -1820,7 +1823,7 @@
             <a:fld id="{B61BEF0D-F0BB-DE4B-95CE-6DB70DBA9567}" type="datetimeFigureOut">
               <a:rPr lang="en-US" dirty="0"/>
               <a:pPr/>
-              <a:t>9/11/2019</a:t>
+              <a:t>9/11/19</a:t>
             </a:fld>
             <a:endParaRPr lang="en-US" dirty="0"/>
           </a:p>
@@ -2379,7 +2382,7 @@
             <a:fld id="{B61BEF0D-F0BB-DE4B-95CE-6DB70DBA9567}" type="datetimeFigureOut">
               <a:rPr lang="en-US" dirty="0"/>
               <a:pPr/>
-              <a:t>9/11/2019</a:t>
+              <a:t>9/11/19</a:t>
             </a:fld>
             <a:endParaRPr lang="en-US" dirty="0"/>
           </a:p>
@@ -2703,7 +2706,7 @@
             <a:fld id="{B61BEF0D-F0BB-DE4B-95CE-6DB70DBA9567}" type="datetimeFigureOut">
               <a:rPr lang="en-US" dirty="0"/>
               <a:pPr/>
-              <a:t>9/11/2019</a:t>
+              <a:t>9/11/19</a:t>
             </a:fld>
             <a:endParaRPr lang="en-US" dirty="0"/>
           </a:p>
@@ -2877,7 +2880,7 @@
             <a:fld id="{B61BEF0D-F0BB-DE4B-95CE-6DB70DBA9567}" type="datetimeFigureOut">
               <a:rPr lang="en-US" dirty="0"/>
               <a:pPr/>
-              <a:t>9/11/2019</a:t>
+              <a:t>9/11/19</a:t>
             </a:fld>
             <a:endParaRPr lang="en-US" dirty="0"/>
           </a:p>
@@ -3112,7 +3115,7 @@
             <a:fld id="{B61BEF0D-F0BB-DE4B-95CE-6DB70DBA9567}" type="datetimeFigureOut">
               <a:rPr lang="en-US" dirty="0"/>
               <a:pPr/>
-              <a:t>9/11/2019</a:t>
+              <a:t>9/11/19</a:t>
             </a:fld>
             <a:endParaRPr lang="en-US" dirty="0"/>
           </a:p>
@@ -3309,7 +3312,7 @@
             <a:fld id="{B61BEF0D-F0BB-DE4B-95CE-6DB70DBA9567}" type="datetimeFigureOut">
               <a:rPr lang="en-US" dirty="0"/>
               <a:pPr/>
-              <a:t>9/11/2019</a:t>
+              <a:t>9/11/19</a:t>
             </a:fld>
             <a:endParaRPr lang="en-US" dirty="0"/>
           </a:p>
@@ -3582,7 +3585,7 @@
             <a:fld id="{B61BEF0D-F0BB-DE4B-95CE-6DB70DBA9567}" type="datetimeFigureOut">
               <a:rPr lang="en-US" dirty="0"/>
               <a:pPr/>
-              <a:t>9/11/2019</a:t>
+              <a:t>9/11/19</a:t>
             </a:fld>
             <a:endParaRPr lang="en-US" dirty="0"/>
           </a:p>
@@ -3845,7 +3848,7 @@
             <a:fld id="{B61BEF0D-F0BB-DE4B-95CE-6DB70DBA9567}" type="datetimeFigureOut">
               <a:rPr lang="en-US" dirty="0"/>
               <a:pPr/>
-              <a:t>9/11/2019</a:t>
+              <a:t>9/11/19</a:t>
             </a:fld>
             <a:endParaRPr lang="en-US" dirty="0"/>
           </a:p>
@@ -4216,7 +4219,7 @@
             <a:fld id="{B61BEF0D-F0BB-DE4B-95CE-6DB70DBA9567}" type="datetimeFigureOut">
               <a:rPr lang="en-US" dirty="0"/>
               <a:pPr/>
-              <a:t>9/11/2019</a:t>
+              <a:t>9/11/19</a:t>
             </a:fld>
             <a:endParaRPr lang="en-US" dirty="0"/>
           </a:p>
@@ -4361,7 +4364,7 @@
             <a:fld id="{B61BEF0D-F0BB-DE4B-95CE-6DB70DBA9567}" type="datetimeFigureOut">
               <a:rPr lang="en-US" dirty="0"/>
               <a:pPr/>
-              <a:t>9/11/2019</a:t>
+              <a:t>9/11/19</a:t>
             </a:fld>
             <a:endParaRPr lang="en-US" dirty="0"/>
           </a:p>
@@ -4483,7 +4486,7 @@
             <a:fld id="{B61BEF0D-F0BB-DE4B-95CE-6DB70DBA9567}" type="datetimeFigureOut">
               <a:rPr lang="en-US" dirty="0"/>
               <a:pPr/>
-              <a:t>9/11/2019</a:t>
+              <a:t>9/11/19</a:t>
             </a:fld>
             <a:endParaRPr lang="en-US" dirty="0"/>
           </a:p>
@@ -4765,7 +4768,7 @@
             <a:fld id="{B61BEF0D-F0BB-DE4B-95CE-6DB70DBA9567}" type="datetimeFigureOut">
               <a:rPr lang="en-US" dirty="0"/>
               <a:pPr/>
-              <a:t>9/11/2019</a:t>
+              <a:t>9/11/19</a:t>
             </a:fld>
             <a:endParaRPr lang="en-US" dirty="0"/>
           </a:p>
@@ -5086,7 +5089,7 @@
             <a:fld id="{B61BEF0D-F0BB-DE4B-95CE-6DB70DBA9567}" type="datetimeFigureOut">
               <a:rPr lang="en-US" dirty="0"/>
               <a:pPr/>
-              <a:t>9/11/2019</a:t>
+              <a:t>9/11/19</a:t>
             </a:fld>
             <a:endParaRPr lang="en-US" dirty="0"/>
           </a:p>
@@ -5297,7 +5300,7 @@
             <a:fld id="{B61BEF0D-F0BB-DE4B-95CE-6DB70DBA9567}" type="datetimeFigureOut">
               <a:rPr lang="en-US" dirty="0"/>
               <a:pPr/>
-              <a:t>9/11/2019</a:t>
+              <a:t>9/11/19</a:t>
             </a:fld>
             <a:endParaRPr lang="en-US" dirty="0"/>
           </a:p>
@@ -5863,8 +5866,24 @@
           <a:p>
             <a:r>
               <a:rPr lang="en-US" dirty="0"/>
-              <a:t>Danelle, Ali, Brain &amp; Timothy</a:t>
-            </a:r>
+              <a:t>Danelle, Ali, </a:t>
+            </a:r>
+            <a:r>
+              <a:rPr lang="en-US" dirty="0" err="1"/>
+              <a:t>BrIAn</a:t>
+            </a:r>
+            <a:r>
+              <a:rPr lang="en-US" dirty="0"/>
+              <a:t> &amp; </a:t>
+            </a:r>
+            <a:r>
+              <a:rPr lang="en-US" dirty="0" err="1"/>
+              <a:t>TiM</a:t>
+            </a:r>
+            <a:endParaRPr lang="en-US" dirty="0"/>
+          </a:p>
+          <a:p>
+            <a:endParaRPr lang="en-US" dirty="0"/>
           </a:p>
         </p:txBody>
       </p:sp>
@@ -7009,7 +7028,7 @@
             </a:r>
             <a:r>
               <a:rPr lang="en-US" sz="2800" dirty="0"/>
-              <a:t> Gun sales do increase after a major mass shooting.  </a:t>
+              <a:t> Gun sales do increase after a major mass shooting  </a:t>
             </a:r>
           </a:p>
           <a:p>
@@ -9131,10 +9150,19 @@
           <a:p>
             <a:r>
               <a:rPr lang="en-US" sz="2400" dirty="0"/>
-              <a:t>In looking at the data from the stocks market we were also not able to substantiate a significant relationship between mass shootings and firearm stock increases.  </a:t>
-            </a:r>
-          </a:p>
-          <a:p>
+              <a:t>We were not able to find any significant correlations between any of the data points we used.  </a:t>
+            </a:r>
+          </a:p>
+          <a:p>
+            <a:endParaRPr lang="en-US" sz="2400" dirty="0"/>
+          </a:p>
+          <a:p>
+            <a:endParaRPr lang="en-US" sz="2400" dirty="0"/>
+          </a:p>
+          <a:p>
+            <a:pPr marL="0" indent="0">
+              <a:buNone/>
+            </a:pPr>
             <a:endParaRPr lang="en-US" sz="2400" dirty="0"/>
           </a:p>
         </p:txBody>
@@ -9233,16 +9261,7 @@
           <a:p>
             <a:r>
               <a:rPr lang="en-US" sz="2400" dirty="0"/>
-              <a:t>Gun sales data appear to followed a fairly consistent pattern from year to year during the period we studied and do not appear to be significantly affected by the mass shootings that occurred in this period. </a:t>
-            </a:r>
-          </a:p>
-          <a:p>
-            <a:endParaRPr lang="en-US" sz="2400" dirty="0"/>
-          </a:p>
-          <a:p>
-            <a:r>
-              <a:rPr lang="en-US" sz="2400" dirty="0"/>
-              <a:t>We were not able to find any significant correlations between any of the data points we used.  </a:t>
+              <a:t>Gun sales data appear to follow a fairly consistent pattern from year to year during the period we studied and do not appear to be significantly affected by the mass shootings that occurred in this period. </a:t>
             </a:r>
           </a:p>
           <a:p>
@@ -9253,6 +9272,15 @@
               <a:rPr lang="en-US" sz="2400" dirty="0"/>
               <a:t>The strongest correlation was between gun sales after a mass shooting incident and gun sales during that time period the year before.  </a:t>
             </a:r>
+          </a:p>
+          <a:p>
+            <a:endParaRPr lang="en-US" sz="2400" dirty="0"/>
+          </a:p>
+          <a:p>
+            <a:pPr marL="0" indent="0">
+              <a:buNone/>
+            </a:pPr>
+            <a:endParaRPr lang="en-US" sz="2400" dirty="0"/>
           </a:p>
         </p:txBody>
       </p:sp>
@@ -9291,6 +9319,372 @@
           <p:cNvPr id="2" name="Title 1">
             <a:extLst>
               <a:ext uri="{FF2B5EF4-FFF2-40B4-BE49-F238E27FC236}">
+                <a16:creationId xmlns:a16="http://schemas.microsoft.com/office/drawing/2014/main" id="{C7ADA98B-46CF-2E49-931C-56B24E147CA9}"/>
+              </a:ext>
+            </a:extLst>
+          </p:cNvPr>
+          <p:cNvSpPr>
+            <a:spLocks noGrp="1"/>
+          </p:cNvSpPr>
+          <p:nvPr>
+            <p:ph type="title"/>
+          </p:nvPr>
+        </p:nvSpPr>
+        <p:spPr>
+          <a:xfrm>
+            <a:off x="685801" y="609601"/>
+            <a:ext cx="10131425" cy="944880"/>
+          </a:xfrm>
+        </p:spPr>
+        <p:txBody>
+          <a:bodyPr/>
+          <a:lstStyle/>
+          <a:p>
+            <a:pPr algn="ctr"/>
+            <a:r>
+              <a:rPr lang="en-US" dirty="0"/>
+              <a:t>ANNUAL PATTERN</a:t>
+            </a:r>
+          </a:p>
+        </p:txBody>
+      </p:sp>
+      <p:pic>
+        <p:nvPicPr>
+          <p:cNvPr id="5" name="Content Placeholder 4">
+            <a:extLst>
+              <a:ext uri="{FF2B5EF4-FFF2-40B4-BE49-F238E27FC236}">
+                <a16:creationId xmlns:a16="http://schemas.microsoft.com/office/drawing/2014/main" id="{EC9860AE-BCED-D949-8519-975E2FB32BEF}"/>
+              </a:ext>
+            </a:extLst>
+          </p:cNvPr>
+          <p:cNvPicPr>
+            <a:picLocks noGrp="1" noChangeAspect="1"/>
+          </p:cNvPicPr>
+          <p:nvPr>
+            <p:ph idx="1"/>
+          </p:nvPr>
+        </p:nvPicPr>
+        <p:blipFill>
+          <a:blip r:embed="rId2"/>
+          <a:stretch>
+            <a:fillRect/>
+          </a:stretch>
+        </p:blipFill>
+        <p:spPr>
+          <a:xfrm>
+            <a:off x="2037080" y="1764427"/>
+            <a:ext cx="8117840" cy="4487386"/>
+          </a:xfrm>
+        </p:spPr>
+      </p:pic>
+    </p:spTree>
+    <p:extLst>
+      <p:ext uri="{BB962C8B-B14F-4D97-AF65-F5344CB8AC3E}">
+        <p14:creationId xmlns:p14="http://schemas.microsoft.com/office/powerpoint/2010/main" val="4049744385"/>
+      </p:ext>
+    </p:extLst>
+  </p:cSld>
+  <p:clrMapOvr>
+    <a:masterClrMapping/>
+  </p:clrMapOvr>
+</p:sld>
+</file>
+
+<file path=ppt/slides/slide33.xml><?xml version="1.0" encoding="utf-8"?>
+<p:sld xmlns:a="http://schemas.openxmlformats.org/drawingml/2006/main" xmlns:r="http://schemas.openxmlformats.org/officeDocument/2006/relationships" xmlns:p="http://schemas.openxmlformats.org/presentationml/2006/main">
+  <p:cSld>
+    <p:spTree>
+      <p:nvGrpSpPr>
+        <p:cNvPr id="1" name=""/>
+        <p:cNvGrpSpPr/>
+        <p:nvPr/>
+      </p:nvGrpSpPr>
+      <p:grpSpPr>
+        <a:xfrm>
+          <a:off x="0" y="0"/>
+          <a:ext cx="0" cy="0"/>
+          <a:chOff x="0" y="0"/>
+          <a:chExt cx="0" cy="0"/>
+        </a:xfrm>
+      </p:grpSpPr>
+      <p:sp>
+        <p:nvSpPr>
+          <p:cNvPr id="2" name="Title 1">
+            <a:extLst>
+              <a:ext uri="{FF2B5EF4-FFF2-40B4-BE49-F238E27FC236}">
+                <a16:creationId xmlns:a16="http://schemas.microsoft.com/office/drawing/2014/main" id="{35DA143A-A9C3-FE4A-884B-786461629667}"/>
+              </a:ext>
+            </a:extLst>
+          </p:cNvPr>
+          <p:cNvSpPr>
+            <a:spLocks noGrp="1"/>
+          </p:cNvSpPr>
+          <p:nvPr>
+            <p:ph type="title"/>
+          </p:nvPr>
+        </p:nvSpPr>
+        <p:spPr>
+          <a:xfrm>
+            <a:off x="685801" y="609601"/>
+            <a:ext cx="10131425" cy="747608"/>
+          </a:xfrm>
+        </p:spPr>
+        <p:txBody>
+          <a:bodyPr>
+            <a:normAutofit/>
+          </a:bodyPr>
+          <a:lstStyle/>
+          <a:p>
+            <a:pPr algn="ctr"/>
+            <a:r>
+              <a:rPr lang="en-US" dirty="0"/>
+              <a:t>SMITH &amp; </a:t>
+            </a:r>
+            <a:r>
+              <a:rPr lang="en-US" dirty="0" err="1"/>
+              <a:t>WESSon</a:t>
+            </a:r>
+            <a:endParaRPr lang="en-US" dirty="0"/>
+          </a:p>
+        </p:txBody>
+      </p:sp>
+      <p:sp>
+        <p:nvSpPr>
+          <p:cNvPr id="3" name="Content Placeholder 2">
+            <a:extLst>
+              <a:ext uri="{FF2B5EF4-FFF2-40B4-BE49-F238E27FC236}">
+                <a16:creationId xmlns:a16="http://schemas.microsoft.com/office/drawing/2014/main" id="{8374A0C6-C57B-A54F-847A-3A64C0960A40}"/>
+              </a:ext>
+            </a:extLst>
+          </p:cNvPr>
+          <p:cNvSpPr>
+            <a:spLocks noGrp="1"/>
+          </p:cNvSpPr>
+          <p:nvPr>
+            <p:ph idx="1"/>
+          </p:nvPr>
+        </p:nvSpPr>
+        <p:spPr>
+          <a:xfrm>
+            <a:off x="685801" y="1357209"/>
+            <a:ext cx="10131425" cy="969431"/>
+          </a:xfrm>
+        </p:spPr>
+        <p:txBody>
+          <a:bodyPr>
+            <a:normAutofit/>
+          </a:bodyPr>
+          <a:lstStyle/>
+          <a:p>
+            <a:r>
+              <a:rPr lang="en-US" dirty="0"/>
+              <a:t>In looking at the data from the stocks market we were also not able to substantiate a significant relationship between mass shootings and firearm stock increases.  </a:t>
+            </a:r>
+          </a:p>
+          <a:p>
+            <a:endParaRPr lang="en-US" dirty="0"/>
+          </a:p>
+        </p:txBody>
+      </p:sp>
+      <p:pic>
+        <p:nvPicPr>
+          <p:cNvPr id="5" name="Picture 4">
+            <a:extLst>
+              <a:ext uri="{FF2B5EF4-FFF2-40B4-BE49-F238E27FC236}">
+                <a16:creationId xmlns:a16="http://schemas.microsoft.com/office/drawing/2014/main" id="{50C2FC77-2B0C-C14E-B343-7705AA3B671C}"/>
+              </a:ext>
+            </a:extLst>
+          </p:cNvPr>
+          <p:cNvPicPr>
+            <a:picLocks noChangeAspect="1"/>
+          </p:cNvPicPr>
+          <p:nvPr/>
+        </p:nvPicPr>
+        <p:blipFill>
+          <a:blip r:embed="rId2"/>
+          <a:stretch>
+            <a:fillRect/>
+          </a:stretch>
+        </p:blipFill>
+        <p:spPr>
+          <a:xfrm>
+            <a:off x="594360" y="2326640"/>
+            <a:ext cx="11003280" cy="4090519"/>
+          </a:xfrm>
+          <a:prstGeom prst="rect">
+            <a:avLst/>
+          </a:prstGeom>
+        </p:spPr>
+      </p:pic>
+    </p:spTree>
+    <p:extLst>
+      <p:ext uri="{BB962C8B-B14F-4D97-AF65-F5344CB8AC3E}">
+        <p14:creationId xmlns:p14="http://schemas.microsoft.com/office/powerpoint/2010/main" val="1449920472"/>
+      </p:ext>
+    </p:extLst>
+  </p:cSld>
+  <p:clrMapOvr>
+    <a:masterClrMapping/>
+  </p:clrMapOvr>
+</p:sld>
+</file>
+
+<file path=ppt/slides/slide34.xml><?xml version="1.0" encoding="utf-8"?>
+<p:sld xmlns:a="http://schemas.openxmlformats.org/drawingml/2006/main" xmlns:r="http://schemas.openxmlformats.org/officeDocument/2006/relationships" xmlns:p="http://schemas.openxmlformats.org/presentationml/2006/main">
+  <p:cSld>
+    <p:spTree>
+      <p:nvGrpSpPr>
+        <p:cNvPr id="1" name=""/>
+        <p:cNvGrpSpPr/>
+        <p:nvPr/>
+      </p:nvGrpSpPr>
+      <p:grpSpPr>
+        <a:xfrm>
+          <a:off x="0" y="0"/>
+          <a:ext cx="0" cy="0"/>
+          <a:chOff x="0" y="0"/>
+          <a:chExt cx="0" cy="0"/>
+        </a:xfrm>
+      </p:grpSpPr>
+      <p:sp>
+        <p:nvSpPr>
+          <p:cNvPr id="2" name="Title 1">
+            <a:extLst>
+              <a:ext uri="{FF2B5EF4-FFF2-40B4-BE49-F238E27FC236}">
+                <a16:creationId xmlns:a16="http://schemas.microsoft.com/office/drawing/2014/main" id="{35DA143A-A9C3-FE4A-884B-786461629667}"/>
+              </a:ext>
+            </a:extLst>
+          </p:cNvPr>
+          <p:cNvSpPr>
+            <a:spLocks noGrp="1"/>
+          </p:cNvSpPr>
+          <p:nvPr>
+            <p:ph type="title"/>
+          </p:nvPr>
+        </p:nvSpPr>
+        <p:spPr>
+          <a:xfrm>
+            <a:off x="685801" y="609601"/>
+            <a:ext cx="10131425" cy="747608"/>
+          </a:xfrm>
+        </p:spPr>
+        <p:txBody>
+          <a:bodyPr>
+            <a:normAutofit/>
+          </a:bodyPr>
+          <a:lstStyle/>
+          <a:p>
+            <a:pPr algn="ctr"/>
+            <a:r>
+              <a:rPr lang="en-US" dirty="0"/>
+              <a:t>Ruger</a:t>
+            </a:r>
+          </a:p>
+        </p:txBody>
+      </p:sp>
+      <p:sp>
+        <p:nvSpPr>
+          <p:cNvPr id="3" name="Content Placeholder 2">
+            <a:extLst>
+              <a:ext uri="{FF2B5EF4-FFF2-40B4-BE49-F238E27FC236}">
+                <a16:creationId xmlns:a16="http://schemas.microsoft.com/office/drawing/2014/main" id="{8374A0C6-C57B-A54F-847A-3A64C0960A40}"/>
+              </a:ext>
+            </a:extLst>
+          </p:cNvPr>
+          <p:cNvSpPr>
+            <a:spLocks noGrp="1"/>
+          </p:cNvSpPr>
+          <p:nvPr>
+            <p:ph idx="1"/>
+          </p:nvPr>
+        </p:nvSpPr>
+        <p:spPr>
+          <a:xfrm>
+            <a:off x="685801" y="1357209"/>
+            <a:ext cx="10131425" cy="969431"/>
+          </a:xfrm>
+        </p:spPr>
+        <p:txBody>
+          <a:bodyPr>
+            <a:normAutofit/>
+          </a:bodyPr>
+          <a:lstStyle/>
+          <a:p>
+            <a:r>
+              <a:rPr lang="en-US" dirty="0"/>
+              <a:t>In looking at the data from the stocks market we were also not able to substantiate a significant relationship between mass shootings and firearm stock increases.  </a:t>
+            </a:r>
+          </a:p>
+          <a:p>
+            <a:endParaRPr lang="en-US" dirty="0"/>
+          </a:p>
+        </p:txBody>
+      </p:sp>
+      <p:pic>
+        <p:nvPicPr>
+          <p:cNvPr id="6" name="Picture 5">
+            <a:extLst>
+              <a:ext uri="{FF2B5EF4-FFF2-40B4-BE49-F238E27FC236}">
+                <a16:creationId xmlns:a16="http://schemas.microsoft.com/office/drawing/2014/main" id="{18B551EA-F6B3-4E42-9220-D4C919853DBE}"/>
+              </a:ext>
+            </a:extLst>
+          </p:cNvPr>
+          <p:cNvPicPr>
+            <a:picLocks noChangeAspect="1"/>
+          </p:cNvPicPr>
+          <p:nvPr/>
+        </p:nvPicPr>
+        <p:blipFill>
+          <a:blip r:embed="rId2"/>
+          <a:stretch>
+            <a:fillRect/>
+          </a:stretch>
+        </p:blipFill>
+        <p:spPr>
+          <a:xfrm>
+            <a:off x="589280" y="2296160"/>
+            <a:ext cx="11013440" cy="4058944"/>
+          </a:xfrm>
+          <a:prstGeom prst="rect">
+            <a:avLst/>
+          </a:prstGeom>
+        </p:spPr>
+      </p:pic>
+    </p:spTree>
+    <p:extLst>
+      <p:ext uri="{BB962C8B-B14F-4D97-AF65-F5344CB8AC3E}">
+        <p14:creationId xmlns:p14="http://schemas.microsoft.com/office/powerpoint/2010/main" val="4206286292"/>
+      </p:ext>
+    </p:extLst>
+  </p:cSld>
+  <p:clrMapOvr>
+    <a:masterClrMapping/>
+  </p:clrMapOvr>
+</p:sld>
+</file>
+
+<file path=ppt/slides/slide35.xml><?xml version="1.0" encoding="utf-8"?>
+<p:sld xmlns:a="http://schemas.openxmlformats.org/drawingml/2006/main" xmlns:r="http://schemas.openxmlformats.org/officeDocument/2006/relationships" xmlns:p="http://schemas.openxmlformats.org/presentationml/2006/main">
+  <p:cSld>
+    <p:spTree>
+      <p:nvGrpSpPr>
+        <p:cNvPr id="1" name=""/>
+        <p:cNvGrpSpPr/>
+        <p:nvPr/>
+      </p:nvGrpSpPr>
+      <p:grpSpPr>
+        <a:xfrm>
+          <a:off x="0" y="0"/>
+          <a:ext cx="0" cy="0"/>
+          <a:chOff x="0" y="0"/>
+          <a:chExt cx="0" cy="0"/>
+        </a:xfrm>
+      </p:grpSpPr>
+      <p:sp>
+        <p:nvSpPr>
+          <p:cNvPr id="2" name="Title 1">
+            <a:extLst>
+              <a:ext uri="{FF2B5EF4-FFF2-40B4-BE49-F238E27FC236}">
                 <a16:creationId xmlns:a16="http://schemas.microsoft.com/office/drawing/2014/main" id="{1E987FC8-BC5B-4075-8663-8B76E51F960D}"/>
               </a:ext>
             </a:extLst>
@@ -9403,7 +9797,7 @@
 </p:sld>
 </file>
 
-<file path=ppt/slides/slide33.xml><?xml version="1.0" encoding="utf-8"?>
+<file path=ppt/slides/slide36.xml><?xml version="1.0" encoding="utf-8"?>
 <p:sld xmlns:a="http://schemas.openxmlformats.org/drawingml/2006/main" xmlns:r="http://schemas.openxmlformats.org/officeDocument/2006/relationships" xmlns:p="http://schemas.openxmlformats.org/presentationml/2006/main">
   <p:cSld>
     <p:spTree>
